--- a/과제/0713/20210713_파이썬기초A.1~A.4_신영민.pptx
+++ b/과제/0713/20210713_파이썬기초A.1~A.4_신영민.pptx
@@ -6,7 +6,7 @@
     <p:sldMasterId id="2147483672" r:id="rId2"/>
   </p:sldMasterIdLst>
   <p:notesMasterIdLst>
-    <p:notesMasterId r:id="rId36"/>
+    <p:notesMasterId r:id="rId32"/>
   </p:notesMasterIdLst>
   <p:sldIdLst>
     <p:sldId id="257" r:id="rId3"/>
@@ -28,20 +28,16 @@
     <p:sldId id="376" r:id="rId19"/>
     <p:sldId id="377" r:id="rId20"/>
     <p:sldId id="378" r:id="rId21"/>
-    <p:sldId id="379" r:id="rId22"/>
-    <p:sldId id="380" r:id="rId23"/>
-    <p:sldId id="381" r:id="rId24"/>
-    <p:sldId id="353" r:id="rId25"/>
-    <p:sldId id="383" r:id="rId26"/>
-    <p:sldId id="382" r:id="rId27"/>
-    <p:sldId id="385" r:id="rId28"/>
-    <p:sldId id="386" r:id="rId29"/>
-    <p:sldId id="384" r:id="rId30"/>
-    <p:sldId id="387" r:id="rId31"/>
-    <p:sldId id="388" r:id="rId32"/>
-    <p:sldId id="389" r:id="rId33"/>
-    <p:sldId id="390" r:id="rId34"/>
-    <p:sldId id="272" r:id="rId35"/>
+    <p:sldId id="380" r:id="rId22"/>
+    <p:sldId id="381" r:id="rId23"/>
+    <p:sldId id="353" r:id="rId24"/>
+    <p:sldId id="383" r:id="rId25"/>
+    <p:sldId id="385" r:id="rId26"/>
+    <p:sldId id="386" r:id="rId27"/>
+    <p:sldId id="384" r:id="rId28"/>
+    <p:sldId id="387" r:id="rId29"/>
+    <p:sldId id="390" r:id="rId30"/>
+    <p:sldId id="272" r:id="rId31"/>
   </p:sldIdLst>
   <p:sldSz cx="12192000" cy="6858000"/>
   <p:notesSz cx="6858000" cy="9144000"/>
@@ -241,7 +237,7 @@
           <a:p>
             <a:fld id="{92177620-42F7-4298-A139-095E92550388}" type="datetimeFigureOut">
               <a:rPr lang="ko-KR" altLang="en-US" smtClean="0"/>
-              <a:t>2021-07-12</a:t>
+              <a:t>2021-07-13</a:t>
             </a:fld>
             <a:endParaRPr lang="ko-KR" altLang="en-US"/>
           </a:p>
@@ -657,7 +653,7 @@
           <a:p>
             <a:fld id="{75EF5E0A-6D1A-4AAA-A0DD-4B3D9037FDE6}" type="slidenum">
               <a:rPr lang="ko-KR" altLang="en-US" smtClean="0"/>
-              <a:t>11</a:t>
+              <a:t>10</a:t>
             </a:fld>
             <a:endParaRPr lang="ko-KR" altLang="en-US"/>
           </a:p>
@@ -666,7 +662,7 @@
     </p:spTree>
     <p:extLst>
       <p:ext uri="{BB962C8B-B14F-4D97-AF65-F5344CB8AC3E}">
-        <p14:creationId xmlns:p14="http://schemas.microsoft.com/office/powerpoint/2010/main" val="2361342615"/>
+        <p14:creationId xmlns:p14="http://schemas.microsoft.com/office/powerpoint/2010/main" val="3563330889"/>
       </p:ext>
     </p:extLst>
   </p:cSld>
@@ -741,7 +737,7 @@
           <a:p>
             <a:fld id="{75EF5E0A-6D1A-4AAA-A0DD-4B3D9037FDE6}" type="slidenum">
               <a:rPr lang="ko-KR" altLang="en-US" smtClean="0"/>
-              <a:t>12</a:t>
+              <a:t>11</a:t>
             </a:fld>
             <a:endParaRPr lang="ko-KR" altLang="en-US"/>
           </a:p>
@@ -750,7 +746,7 @@
     </p:spTree>
     <p:extLst>
       <p:ext uri="{BB962C8B-B14F-4D97-AF65-F5344CB8AC3E}">
-        <p14:creationId xmlns:p14="http://schemas.microsoft.com/office/powerpoint/2010/main" val="3633805828"/>
+        <p14:creationId xmlns:p14="http://schemas.microsoft.com/office/powerpoint/2010/main" val="2361342615"/>
       </p:ext>
     </p:extLst>
   </p:cSld>
@@ -825,7 +821,7 @@
           <a:p>
             <a:fld id="{75EF5E0A-6D1A-4AAA-A0DD-4B3D9037FDE6}" type="slidenum">
               <a:rPr lang="ko-KR" altLang="en-US" smtClean="0"/>
-              <a:t>13</a:t>
+              <a:t>12</a:t>
             </a:fld>
             <a:endParaRPr lang="ko-KR" altLang="en-US"/>
           </a:p>
@@ -834,7 +830,7 @@
     </p:spTree>
     <p:extLst>
       <p:ext uri="{BB962C8B-B14F-4D97-AF65-F5344CB8AC3E}">
-        <p14:creationId xmlns:p14="http://schemas.microsoft.com/office/powerpoint/2010/main" val="346427433"/>
+        <p14:creationId xmlns:p14="http://schemas.microsoft.com/office/powerpoint/2010/main" val="3633805828"/>
       </p:ext>
     </p:extLst>
   </p:cSld>
@@ -909,7 +905,7 @@
           <a:p>
             <a:fld id="{75EF5E0A-6D1A-4AAA-A0DD-4B3D9037FDE6}" type="slidenum">
               <a:rPr lang="ko-KR" altLang="en-US" smtClean="0"/>
-              <a:t>14</a:t>
+              <a:t>13</a:t>
             </a:fld>
             <a:endParaRPr lang="ko-KR" altLang="en-US"/>
           </a:p>
@@ -918,7 +914,7 @@
     </p:spTree>
     <p:extLst>
       <p:ext uri="{BB962C8B-B14F-4D97-AF65-F5344CB8AC3E}">
-        <p14:creationId xmlns:p14="http://schemas.microsoft.com/office/powerpoint/2010/main" val="2806884735"/>
+        <p14:creationId xmlns:p14="http://schemas.microsoft.com/office/powerpoint/2010/main" val="346427433"/>
       </p:ext>
     </p:extLst>
   </p:cSld>
@@ -993,7 +989,7 @@
           <a:p>
             <a:fld id="{75EF5E0A-6D1A-4AAA-A0DD-4B3D9037FDE6}" type="slidenum">
               <a:rPr lang="ko-KR" altLang="en-US" smtClean="0"/>
-              <a:t>15</a:t>
+              <a:t>14</a:t>
             </a:fld>
             <a:endParaRPr lang="ko-KR" altLang="en-US"/>
           </a:p>
@@ -1002,7 +998,7 @@
     </p:spTree>
     <p:extLst>
       <p:ext uri="{BB962C8B-B14F-4D97-AF65-F5344CB8AC3E}">
-        <p14:creationId xmlns:p14="http://schemas.microsoft.com/office/powerpoint/2010/main" val="2741588345"/>
+        <p14:creationId xmlns:p14="http://schemas.microsoft.com/office/powerpoint/2010/main" val="2806884735"/>
       </p:ext>
     </p:extLst>
   </p:cSld>
@@ -1077,7 +1073,7 @@
           <a:p>
             <a:fld id="{75EF5E0A-6D1A-4AAA-A0DD-4B3D9037FDE6}" type="slidenum">
               <a:rPr lang="ko-KR" altLang="en-US" smtClean="0"/>
-              <a:t>16</a:t>
+              <a:t>15</a:t>
             </a:fld>
             <a:endParaRPr lang="ko-KR" altLang="en-US"/>
           </a:p>
@@ -1086,7 +1082,7 @@
     </p:spTree>
     <p:extLst>
       <p:ext uri="{BB962C8B-B14F-4D97-AF65-F5344CB8AC3E}">
-        <p14:creationId xmlns:p14="http://schemas.microsoft.com/office/powerpoint/2010/main" val="2739801025"/>
+        <p14:creationId xmlns:p14="http://schemas.microsoft.com/office/powerpoint/2010/main" val="2741588345"/>
       </p:ext>
     </p:extLst>
   </p:cSld>
@@ -1161,7 +1157,7 @@
           <a:p>
             <a:fld id="{75EF5E0A-6D1A-4AAA-A0DD-4B3D9037FDE6}" type="slidenum">
               <a:rPr lang="ko-KR" altLang="en-US" smtClean="0"/>
-              <a:t>17</a:t>
+              <a:t>16</a:t>
             </a:fld>
             <a:endParaRPr lang="ko-KR" altLang="en-US"/>
           </a:p>
@@ -1170,7 +1166,7 @@
     </p:spTree>
     <p:extLst>
       <p:ext uri="{BB962C8B-B14F-4D97-AF65-F5344CB8AC3E}">
-        <p14:creationId xmlns:p14="http://schemas.microsoft.com/office/powerpoint/2010/main" val="3686698016"/>
+        <p14:creationId xmlns:p14="http://schemas.microsoft.com/office/powerpoint/2010/main" val="2739801025"/>
       </p:ext>
     </p:extLst>
   </p:cSld>
@@ -1245,7 +1241,7 @@
           <a:p>
             <a:fld id="{75EF5E0A-6D1A-4AAA-A0DD-4B3D9037FDE6}" type="slidenum">
               <a:rPr lang="ko-KR" altLang="en-US" smtClean="0"/>
-              <a:t>18</a:t>
+              <a:t>17</a:t>
             </a:fld>
             <a:endParaRPr lang="ko-KR" altLang="en-US"/>
           </a:p>
@@ -1254,7 +1250,7 @@
     </p:spTree>
     <p:extLst>
       <p:ext uri="{BB962C8B-B14F-4D97-AF65-F5344CB8AC3E}">
-        <p14:creationId xmlns:p14="http://schemas.microsoft.com/office/powerpoint/2010/main" val="3694910455"/>
+        <p14:creationId xmlns:p14="http://schemas.microsoft.com/office/powerpoint/2010/main" val="3686698016"/>
       </p:ext>
     </p:extLst>
   </p:cSld>
@@ -1329,7 +1325,7 @@
           <a:p>
             <a:fld id="{75EF5E0A-6D1A-4AAA-A0DD-4B3D9037FDE6}" type="slidenum">
               <a:rPr lang="ko-KR" altLang="en-US" smtClean="0"/>
-              <a:t>19</a:t>
+              <a:t>18</a:t>
             </a:fld>
             <a:endParaRPr lang="ko-KR" altLang="en-US"/>
           </a:p>
@@ -1338,7 +1334,7 @@
     </p:spTree>
     <p:extLst>
       <p:ext uri="{BB962C8B-B14F-4D97-AF65-F5344CB8AC3E}">
-        <p14:creationId xmlns:p14="http://schemas.microsoft.com/office/powerpoint/2010/main" val="3441252349"/>
+        <p14:creationId xmlns:p14="http://schemas.microsoft.com/office/powerpoint/2010/main" val="3694910455"/>
       </p:ext>
     </p:extLst>
   </p:cSld>
@@ -1413,7 +1409,7 @@
           <a:p>
             <a:fld id="{75EF5E0A-6D1A-4AAA-A0DD-4B3D9037FDE6}" type="slidenum">
               <a:rPr lang="ko-KR" altLang="en-US" smtClean="0"/>
-              <a:t>20</a:t>
+              <a:t>19</a:t>
             </a:fld>
             <a:endParaRPr lang="ko-KR" altLang="en-US"/>
           </a:p>
@@ -1422,7 +1418,7 @@
     </p:spTree>
     <p:extLst>
       <p:ext uri="{BB962C8B-B14F-4D97-AF65-F5344CB8AC3E}">
-        <p14:creationId xmlns:p14="http://schemas.microsoft.com/office/powerpoint/2010/main" val="1027327608"/>
+        <p14:creationId xmlns:p14="http://schemas.microsoft.com/office/powerpoint/2010/main" val="3441252349"/>
       </p:ext>
     </p:extLst>
   </p:cSld>
@@ -1597,7 +1593,7 @@
           <a:p>
             <a:fld id="{75EF5E0A-6D1A-4AAA-A0DD-4B3D9037FDE6}" type="slidenum">
               <a:rPr lang="ko-KR" altLang="en-US" smtClean="0"/>
-              <a:t>21</a:t>
+              <a:t>20</a:t>
             </a:fld>
             <a:endParaRPr lang="ko-KR" altLang="en-US"/>
           </a:p>
@@ -1681,7 +1677,7 @@
           <a:p>
             <a:fld id="{75EF5E0A-6D1A-4AAA-A0DD-4B3D9037FDE6}" type="slidenum">
               <a:rPr lang="ko-KR" altLang="en-US" smtClean="0"/>
-              <a:t>23</a:t>
+              <a:t>22</a:t>
             </a:fld>
             <a:endParaRPr lang="ko-KR" altLang="en-US"/>
           </a:p>
@@ -1765,7 +1761,7 @@
           <a:p>
             <a:fld id="{75EF5E0A-6D1A-4AAA-A0DD-4B3D9037FDE6}" type="slidenum">
               <a:rPr lang="ko-KR" altLang="en-US" smtClean="0"/>
-              <a:t>24</a:t>
+              <a:t>23</a:t>
             </a:fld>
             <a:endParaRPr lang="ko-KR" altLang="en-US"/>
           </a:p>
@@ -1849,7 +1845,7 @@
           <a:p>
             <a:fld id="{75EF5E0A-6D1A-4AAA-A0DD-4B3D9037FDE6}" type="slidenum">
               <a:rPr lang="ko-KR" altLang="en-US" smtClean="0"/>
-              <a:t>25</a:t>
+              <a:t>24</a:t>
             </a:fld>
             <a:endParaRPr lang="ko-KR" altLang="en-US"/>
           </a:p>
@@ -1858,7 +1854,7 @@
     </p:spTree>
     <p:extLst>
       <p:ext uri="{BB962C8B-B14F-4D97-AF65-F5344CB8AC3E}">
-        <p14:creationId xmlns:p14="http://schemas.microsoft.com/office/powerpoint/2010/main" val="1959202411"/>
+        <p14:creationId xmlns:p14="http://schemas.microsoft.com/office/powerpoint/2010/main" val="1584898413"/>
       </p:ext>
     </p:extLst>
   </p:cSld>
@@ -1912,7 +1908,15 @@
           <a:bodyPr/>
           <a:lstStyle/>
           <a:p>
-            <a:endParaRPr lang="en-US" altLang="ko-KR" dirty="0"/>
+            <a:r>
+              <a:rPr lang="ko-KR" altLang="en-US" dirty="0"/>
+              <a:t>목차는 다음과 같습니다</a:t>
+            </a:r>
+            <a:r>
+              <a:rPr lang="en-US" altLang="ko-KR" dirty="0"/>
+              <a:t>.</a:t>
+            </a:r>
+            <a:endParaRPr lang="ko-KR" altLang="en-US" dirty="0"/>
           </a:p>
         </p:txBody>
       </p:sp>
@@ -1933,7 +1937,7 @@
           <a:p>
             <a:fld id="{75EF5E0A-6D1A-4AAA-A0DD-4B3D9037FDE6}" type="slidenum">
               <a:rPr lang="ko-KR" altLang="en-US" smtClean="0"/>
-              <a:t>26</a:t>
+              <a:t>25</a:t>
             </a:fld>
             <a:endParaRPr lang="ko-KR" altLang="en-US"/>
           </a:p>
@@ -1942,7 +1946,7 @@
     </p:spTree>
     <p:extLst>
       <p:ext uri="{BB962C8B-B14F-4D97-AF65-F5344CB8AC3E}">
-        <p14:creationId xmlns:p14="http://schemas.microsoft.com/office/powerpoint/2010/main" val="1584898413"/>
+        <p14:creationId xmlns:p14="http://schemas.microsoft.com/office/powerpoint/2010/main" val="3241602347"/>
       </p:ext>
     </p:extLst>
   </p:cSld>
@@ -1996,15 +2000,7 @@
           <a:bodyPr/>
           <a:lstStyle/>
           <a:p>
-            <a:r>
-              <a:rPr lang="ko-KR" altLang="en-US" dirty="0"/>
-              <a:t>목차는 다음과 같습니다</a:t>
-            </a:r>
-            <a:r>
-              <a:rPr lang="en-US" altLang="ko-KR" dirty="0"/>
-              <a:t>.</a:t>
-            </a:r>
-            <a:endParaRPr lang="ko-KR" altLang="en-US" dirty="0"/>
+            <a:endParaRPr lang="en-US" altLang="ko-KR" dirty="0"/>
           </a:p>
         </p:txBody>
       </p:sp>
@@ -2025,7 +2021,7 @@
           <a:p>
             <a:fld id="{75EF5E0A-6D1A-4AAA-A0DD-4B3D9037FDE6}" type="slidenum">
               <a:rPr lang="ko-KR" altLang="en-US" smtClean="0"/>
-              <a:t>27</a:t>
+              <a:t>26</a:t>
             </a:fld>
             <a:endParaRPr lang="ko-KR" altLang="en-US"/>
           </a:p>
@@ -2034,7 +2030,7 @@
     </p:spTree>
     <p:extLst>
       <p:ext uri="{BB962C8B-B14F-4D97-AF65-F5344CB8AC3E}">
-        <p14:creationId xmlns:p14="http://schemas.microsoft.com/office/powerpoint/2010/main" val="3241602347"/>
+        <p14:creationId xmlns:p14="http://schemas.microsoft.com/office/powerpoint/2010/main" val="2289333358"/>
       </p:ext>
     </p:extLst>
   </p:cSld>
@@ -2109,7 +2105,7 @@
           <a:p>
             <a:fld id="{75EF5E0A-6D1A-4AAA-A0DD-4B3D9037FDE6}" type="slidenum">
               <a:rPr lang="ko-KR" altLang="en-US" smtClean="0"/>
-              <a:t>28</a:t>
+              <a:t>27</a:t>
             </a:fld>
             <a:endParaRPr lang="ko-KR" altLang="en-US"/>
           </a:p>
@@ -2118,7 +2114,7 @@
     </p:spTree>
     <p:extLst>
       <p:ext uri="{BB962C8B-B14F-4D97-AF65-F5344CB8AC3E}">
-        <p14:creationId xmlns:p14="http://schemas.microsoft.com/office/powerpoint/2010/main" val="2289333358"/>
+        <p14:creationId xmlns:p14="http://schemas.microsoft.com/office/powerpoint/2010/main" val="3195524328"/>
       </p:ext>
     </p:extLst>
   </p:cSld>
@@ -2193,7 +2189,7 @@
           <a:p>
             <a:fld id="{75EF5E0A-6D1A-4AAA-A0DD-4B3D9037FDE6}" type="slidenum">
               <a:rPr lang="ko-KR" altLang="en-US" smtClean="0"/>
-              <a:t>29</a:t>
+              <a:t>28</a:t>
             </a:fld>
             <a:endParaRPr lang="ko-KR" altLang="en-US"/>
           </a:p>
@@ -2202,7 +2198,7 @@
     </p:spTree>
     <p:extLst>
       <p:ext uri="{BB962C8B-B14F-4D97-AF65-F5344CB8AC3E}">
-        <p14:creationId xmlns:p14="http://schemas.microsoft.com/office/powerpoint/2010/main" val="3195524328"/>
+        <p14:creationId xmlns:p14="http://schemas.microsoft.com/office/powerpoint/2010/main" val="2864067249"/>
       </p:ext>
     </p:extLst>
   </p:cSld>
@@ -2256,7 +2252,23 @@
           <a:bodyPr/>
           <a:lstStyle/>
           <a:p>
-            <a:endParaRPr lang="en-US" altLang="ko-KR" dirty="0"/>
+            <a:r>
+              <a:rPr lang="ko-KR" altLang="en-US" dirty="0"/>
+              <a:t>저의 발표는 여기까지 입니다</a:t>
+            </a:r>
+            <a:r>
+              <a:rPr lang="en-US" altLang="ko-KR" dirty="0"/>
+              <a:t>. </a:t>
+            </a:r>
+            <a:r>
+              <a:rPr lang="ko-KR" altLang="en-US" dirty="0"/>
+              <a:t>감사합니다</a:t>
+            </a:r>
+            <a:r>
+              <a:rPr lang="en-US" altLang="ko-KR" dirty="0"/>
+              <a:t>!</a:t>
+            </a:r>
+            <a:endParaRPr lang="ko-KR" altLang="en-US" dirty="0"/>
           </a:p>
         </p:txBody>
       </p:sp>
@@ -2277,7 +2289,7 @@
           <a:p>
             <a:fld id="{75EF5E0A-6D1A-4AAA-A0DD-4B3D9037FDE6}" type="slidenum">
               <a:rPr lang="ko-KR" altLang="en-US" smtClean="0"/>
-              <a:t>30</a:t>
+              <a:t>29</a:t>
             </a:fld>
             <a:endParaRPr lang="ko-KR" altLang="en-US"/>
           </a:p>
@@ -2286,91 +2298,7 @@
     </p:spTree>
     <p:extLst>
       <p:ext uri="{BB962C8B-B14F-4D97-AF65-F5344CB8AC3E}">
-        <p14:creationId xmlns:p14="http://schemas.microsoft.com/office/powerpoint/2010/main" val="3797208444"/>
-      </p:ext>
-    </p:extLst>
-  </p:cSld>
-  <p:clrMapOvr>
-    <a:masterClrMapping/>
-  </p:clrMapOvr>
-</p:notes>
-</file>
-
-<file path=ppt/notesSlides/notesSlide29.xml><?xml version="1.0" encoding="utf-8"?>
-<p:notes xmlns:a="http://schemas.openxmlformats.org/drawingml/2006/main" xmlns:r="http://schemas.openxmlformats.org/officeDocument/2006/relationships" xmlns:p="http://schemas.openxmlformats.org/presentationml/2006/main">
-  <p:cSld>
-    <p:spTree>
-      <p:nvGrpSpPr>
-        <p:cNvPr id="1" name=""/>
-        <p:cNvGrpSpPr/>
-        <p:nvPr/>
-      </p:nvGrpSpPr>
-      <p:grpSpPr>
-        <a:xfrm>
-          <a:off x="0" y="0"/>
-          <a:ext cx="0" cy="0"/>
-          <a:chOff x="0" y="0"/>
-          <a:chExt cx="0" cy="0"/>
-        </a:xfrm>
-      </p:grpSpPr>
-      <p:sp>
-        <p:nvSpPr>
-          <p:cNvPr id="2" name="슬라이드 이미지 개체 틀 1"/>
-          <p:cNvSpPr>
-            <a:spLocks noGrp="1" noRot="1" noChangeAspect="1"/>
-          </p:cNvSpPr>
-          <p:nvPr>
-            <p:ph type="sldImg"/>
-          </p:nvPr>
-        </p:nvSpPr>
-        <p:spPr/>
-      </p:sp>
-      <p:sp>
-        <p:nvSpPr>
-          <p:cNvPr id="3" name="슬라이드 노트 개체 틀 2"/>
-          <p:cNvSpPr>
-            <a:spLocks noGrp="1"/>
-          </p:cNvSpPr>
-          <p:nvPr>
-            <p:ph type="body" idx="1"/>
-          </p:nvPr>
-        </p:nvSpPr>
-        <p:spPr/>
-        <p:txBody>
-          <a:bodyPr/>
-          <a:lstStyle/>
-          <a:p>
-            <a:endParaRPr lang="en-US" altLang="ko-KR" dirty="0"/>
-          </a:p>
-        </p:txBody>
-      </p:sp>
-      <p:sp>
-        <p:nvSpPr>
-          <p:cNvPr id="4" name="슬라이드 번호 개체 틀 3"/>
-          <p:cNvSpPr>
-            <a:spLocks noGrp="1"/>
-          </p:cNvSpPr>
-          <p:nvPr>
-            <p:ph type="sldNum" sz="quarter" idx="5"/>
-          </p:nvPr>
-        </p:nvSpPr>
-        <p:spPr/>
-        <p:txBody>
-          <a:bodyPr/>
-          <a:lstStyle/>
-          <a:p>
-            <a:fld id="{75EF5E0A-6D1A-4AAA-A0DD-4B3D9037FDE6}" type="slidenum">
-              <a:rPr lang="ko-KR" altLang="en-US" smtClean="0"/>
-              <a:t>31</a:t>
-            </a:fld>
-            <a:endParaRPr lang="ko-KR" altLang="en-US"/>
-          </a:p>
-        </p:txBody>
-      </p:sp>
-    </p:spTree>
-    <p:extLst>
-      <p:ext uri="{BB962C8B-B14F-4D97-AF65-F5344CB8AC3E}">
-        <p14:creationId xmlns:p14="http://schemas.microsoft.com/office/powerpoint/2010/main" val="3834581534"/>
+        <p14:creationId xmlns:p14="http://schemas.microsoft.com/office/powerpoint/2010/main" val="1167244044"/>
       </p:ext>
     </p:extLst>
   </p:cSld>
@@ -2424,7 +2352,90 @@
           <a:bodyPr/>
           <a:lstStyle/>
           <a:p>
-            <a:endParaRPr lang="en-US" altLang="ko-KR" dirty="0"/>
+            <a:r>
+              <a:rPr lang="ko-KR" altLang="en-US" dirty="0"/>
+              <a:t>행렬은 </a:t>
+            </a:r>
+            <a:r>
+              <a:rPr lang="en-US" altLang="ko-KR" dirty="0"/>
+              <a:t>shape</a:t>
+            </a:r>
+            <a:r>
+              <a:rPr lang="ko-KR" altLang="en-US" dirty="0"/>
+              <a:t>함수를 사용해서 다음과 같이 </a:t>
+            </a:r>
+            <a:r>
+              <a:rPr lang="ko-KR" altLang="en-US" dirty="0" err="1"/>
+              <a:t>튜플로</a:t>
+            </a:r>
+            <a:r>
+              <a:rPr lang="ko-KR" altLang="en-US" dirty="0"/>
+              <a:t> 표현됩니다</a:t>
+            </a:r>
+            <a:r>
+              <a:rPr lang="en-US" altLang="ko-KR" dirty="0"/>
+              <a:t>. </a:t>
+            </a:r>
+            <a:r>
+              <a:rPr lang="ko-KR" altLang="en-US" dirty="0" err="1"/>
+              <a:t>스트라이드는</a:t>
+            </a:r>
+            <a:r>
+              <a:rPr lang="ko-KR" altLang="en-US" dirty="0"/>
+              <a:t> 하나의 차원을 따라 몇 바이트 이동해야 하는 지를 나타냅니다</a:t>
+            </a:r>
+            <a:r>
+              <a:rPr lang="en-US" altLang="ko-KR" dirty="0"/>
+              <a:t>. </a:t>
+            </a:r>
+            <a:r>
+              <a:rPr lang="ko-KR" altLang="en-US" dirty="0"/>
+              <a:t>이 때 </a:t>
+            </a:r>
+            <a:r>
+              <a:rPr lang="en-US" altLang="ko-KR" dirty="0"/>
+              <a:t>3,4,5</a:t>
+            </a:r>
+            <a:r>
+              <a:rPr lang="ko-KR" altLang="en-US" dirty="0"/>
+              <a:t>인 </a:t>
+            </a:r>
+            <a:r>
+              <a:rPr lang="en-US" altLang="ko-KR" dirty="0"/>
+              <a:t>3</a:t>
+            </a:r>
+            <a:r>
+              <a:rPr lang="ko-KR" altLang="en-US" dirty="0"/>
+              <a:t>차원 행렬의 </a:t>
+            </a:r>
+            <a:r>
+              <a:rPr lang="ko-KR" altLang="en-US" dirty="0" err="1"/>
+              <a:t>스트라이드는</a:t>
+            </a:r>
+            <a:r>
+              <a:rPr lang="ko-KR" altLang="en-US" dirty="0"/>
+              <a:t> </a:t>
+            </a:r>
+            <a:r>
+              <a:rPr lang="en-US" altLang="ko-KR" dirty="0"/>
+              <a:t>160, 40, 8 </a:t>
+            </a:r>
+            <a:r>
+              <a:rPr lang="ko-KR" altLang="en-US" dirty="0"/>
+              <a:t>입니다</a:t>
+            </a:r>
+            <a:r>
+              <a:rPr lang="en-US" altLang="ko-KR" dirty="0"/>
+              <a:t>. </a:t>
+            </a:r>
+            <a:r>
+              <a:rPr lang="ko-KR" altLang="en-US" dirty="0"/>
+              <a:t>왜 인지 살펴 보겠습니다</a:t>
+            </a:r>
+            <a:r>
+              <a:rPr lang="en-US" altLang="ko-KR" dirty="0"/>
+              <a:t>.</a:t>
+            </a:r>
           </a:p>
         </p:txBody>
       </p:sp>
@@ -2455,190 +2466,6 @@
     <p:extLst>
       <p:ext uri="{BB962C8B-B14F-4D97-AF65-F5344CB8AC3E}">
         <p14:creationId xmlns:p14="http://schemas.microsoft.com/office/powerpoint/2010/main" val="1247828311"/>
-      </p:ext>
-    </p:extLst>
-  </p:cSld>
-  <p:clrMapOvr>
-    <a:masterClrMapping/>
-  </p:clrMapOvr>
-</p:notes>
-</file>
-
-<file path=ppt/notesSlides/notesSlide30.xml><?xml version="1.0" encoding="utf-8"?>
-<p:notes xmlns:a="http://schemas.openxmlformats.org/drawingml/2006/main" xmlns:r="http://schemas.openxmlformats.org/officeDocument/2006/relationships" xmlns:p="http://schemas.openxmlformats.org/presentationml/2006/main">
-  <p:cSld>
-    <p:spTree>
-      <p:nvGrpSpPr>
-        <p:cNvPr id="1" name=""/>
-        <p:cNvGrpSpPr/>
-        <p:nvPr/>
-      </p:nvGrpSpPr>
-      <p:grpSpPr>
-        <a:xfrm>
-          <a:off x="0" y="0"/>
-          <a:ext cx="0" cy="0"/>
-          <a:chOff x="0" y="0"/>
-          <a:chExt cx="0" cy="0"/>
-        </a:xfrm>
-      </p:grpSpPr>
-      <p:sp>
-        <p:nvSpPr>
-          <p:cNvPr id="2" name="슬라이드 이미지 개체 틀 1"/>
-          <p:cNvSpPr>
-            <a:spLocks noGrp="1" noRot="1" noChangeAspect="1"/>
-          </p:cNvSpPr>
-          <p:nvPr>
-            <p:ph type="sldImg"/>
-          </p:nvPr>
-        </p:nvSpPr>
-        <p:spPr/>
-      </p:sp>
-      <p:sp>
-        <p:nvSpPr>
-          <p:cNvPr id="3" name="슬라이드 노트 개체 틀 2"/>
-          <p:cNvSpPr>
-            <a:spLocks noGrp="1"/>
-          </p:cNvSpPr>
-          <p:nvPr>
-            <p:ph type="body" idx="1"/>
-          </p:nvPr>
-        </p:nvSpPr>
-        <p:spPr/>
-        <p:txBody>
-          <a:bodyPr/>
-          <a:lstStyle/>
-          <a:p>
-            <a:endParaRPr lang="en-US" altLang="ko-KR" dirty="0"/>
-          </a:p>
-        </p:txBody>
-      </p:sp>
-      <p:sp>
-        <p:nvSpPr>
-          <p:cNvPr id="4" name="슬라이드 번호 개체 틀 3"/>
-          <p:cNvSpPr>
-            <a:spLocks noGrp="1"/>
-          </p:cNvSpPr>
-          <p:nvPr>
-            <p:ph type="sldNum" sz="quarter" idx="5"/>
-          </p:nvPr>
-        </p:nvSpPr>
-        <p:spPr/>
-        <p:txBody>
-          <a:bodyPr/>
-          <a:lstStyle/>
-          <a:p>
-            <a:fld id="{75EF5E0A-6D1A-4AAA-A0DD-4B3D9037FDE6}" type="slidenum">
-              <a:rPr lang="ko-KR" altLang="en-US" smtClean="0"/>
-              <a:t>32</a:t>
-            </a:fld>
-            <a:endParaRPr lang="ko-KR" altLang="en-US"/>
-          </a:p>
-        </p:txBody>
-      </p:sp>
-    </p:spTree>
-    <p:extLst>
-      <p:ext uri="{BB962C8B-B14F-4D97-AF65-F5344CB8AC3E}">
-        <p14:creationId xmlns:p14="http://schemas.microsoft.com/office/powerpoint/2010/main" val="2864067249"/>
-      </p:ext>
-    </p:extLst>
-  </p:cSld>
-  <p:clrMapOvr>
-    <a:masterClrMapping/>
-  </p:clrMapOvr>
-</p:notes>
-</file>
-
-<file path=ppt/notesSlides/notesSlide31.xml><?xml version="1.0" encoding="utf-8"?>
-<p:notes xmlns:a="http://schemas.openxmlformats.org/drawingml/2006/main" xmlns:r="http://schemas.openxmlformats.org/officeDocument/2006/relationships" xmlns:p="http://schemas.openxmlformats.org/presentationml/2006/main">
-  <p:cSld>
-    <p:spTree>
-      <p:nvGrpSpPr>
-        <p:cNvPr id="1" name=""/>
-        <p:cNvGrpSpPr/>
-        <p:nvPr/>
-      </p:nvGrpSpPr>
-      <p:grpSpPr>
-        <a:xfrm>
-          <a:off x="0" y="0"/>
-          <a:ext cx="0" cy="0"/>
-          <a:chOff x="0" y="0"/>
-          <a:chExt cx="0" cy="0"/>
-        </a:xfrm>
-      </p:grpSpPr>
-      <p:sp>
-        <p:nvSpPr>
-          <p:cNvPr id="2" name="슬라이드 이미지 개체 틀 1"/>
-          <p:cNvSpPr>
-            <a:spLocks noGrp="1" noRot="1" noChangeAspect="1"/>
-          </p:cNvSpPr>
-          <p:nvPr>
-            <p:ph type="sldImg"/>
-          </p:nvPr>
-        </p:nvSpPr>
-        <p:spPr/>
-      </p:sp>
-      <p:sp>
-        <p:nvSpPr>
-          <p:cNvPr id="3" name="슬라이드 노트 개체 틀 2"/>
-          <p:cNvSpPr>
-            <a:spLocks noGrp="1"/>
-          </p:cNvSpPr>
-          <p:nvPr>
-            <p:ph type="body" idx="1"/>
-          </p:nvPr>
-        </p:nvSpPr>
-        <p:spPr/>
-        <p:txBody>
-          <a:bodyPr/>
-          <a:lstStyle/>
-          <a:p>
-            <a:r>
-              <a:rPr lang="ko-KR" altLang="en-US" dirty="0"/>
-              <a:t>저의 발표는 여기까지 입니다</a:t>
-            </a:r>
-            <a:r>
-              <a:rPr lang="en-US" altLang="ko-KR" dirty="0"/>
-              <a:t>. </a:t>
-            </a:r>
-            <a:r>
-              <a:rPr lang="ko-KR" altLang="en-US" dirty="0"/>
-              <a:t>감사합니다</a:t>
-            </a:r>
-            <a:r>
-              <a:rPr lang="en-US" altLang="ko-KR" dirty="0"/>
-              <a:t>!</a:t>
-            </a:r>
-            <a:endParaRPr lang="ko-KR" altLang="en-US" dirty="0"/>
-          </a:p>
-        </p:txBody>
-      </p:sp>
-      <p:sp>
-        <p:nvSpPr>
-          <p:cNvPr id="4" name="슬라이드 번호 개체 틀 3"/>
-          <p:cNvSpPr>
-            <a:spLocks noGrp="1"/>
-          </p:cNvSpPr>
-          <p:nvPr>
-            <p:ph type="sldNum" sz="quarter" idx="5"/>
-          </p:nvPr>
-        </p:nvSpPr>
-        <p:spPr/>
-        <p:txBody>
-          <a:bodyPr/>
-          <a:lstStyle/>
-          <a:p>
-            <a:fld id="{75EF5E0A-6D1A-4AAA-A0DD-4B3D9037FDE6}" type="slidenum">
-              <a:rPr lang="ko-KR" altLang="en-US" smtClean="0"/>
-              <a:t>33</a:t>
-            </a:fld>
-            <a:endParaRPr lang="ko-KR" altLang="en-US"/>
-          </a:p>
-        </p:txBody>
-      </p:sp>
-    </p:spTree>
-    <p:extLst>
-      <p:ext uri="{BB962C8B-B14F-4D97-AF65-F5344CB8AC3E}">
-        <p14:creationId xmlns:p14="http://schemas.microsoft.com/office/powerpoint/2010/main" val="1167244044"/>
       </p:ext>
     </p:extLst>
   </p:cSld>
@@ -2692,7 +2519,67 @@
           <a:bodyPr/>
           <a:lstStyle/>
           <a:p>
-            <a:endParaRPr lang="en-US" altLang="ko-KR" dirty="0"/>
+            <a:r>
+              <a:rPr lang="en-US" altLang="ko-KR" dirty="0"/>
+              <a:t>Float64</a:t>
+            </a:r>
+            <a:r>
+              <a:rPr lang="ko-KR" altLang="en-US" dirty="0"/>
+              <a:t>는 하나당 </a:t>
+            </a:r>
+            <a:r>
+              <a:rPr lang="en-US" altLang="ko-KR" dirty="0"/>
+              <a:t>8</a:t>
+            </a:r>
+            <a:r>
+              <a:rPr lang="ko-KR" altLang="en-US" dirty="0"/>
+              <a:t>바이트 이고 </a:t>
+            </a:r>
+            <a:r>
+              <a:rPr lang="ko-KR" altLang="en-US" dirty="0" err="1"/>
+              <a:t>한줄당</a:t>
+            </a:r>
+            <a:r>
+              <a:rPr lang="ko-KR" altLang="en-US" dirty="0"/>
+              <a:t> </a:t>
+            </a:r>
+            <a:r>
+              <a:rPr lang="en-US" altLang="ko-KR" dirty="0"/>
+              <a:t>5</a:t>
+            </a:r>
+            <a:r>
+              <a:rPr lang="ko-KR" altLang="en-US" dirty="0"/>
+              <a:t>개 이니까 </a:t>
+            </a:r>
+            <a:r>
+              <a:rPr lang="en-US" altLang="ko-KR" dirty="0"/>
+              <a:t>40</a:t>
+            </a:r>
+            <a:r>
+              <a:rPr lang="ko-KR" altLang="en-US" dirty="0"/>
+              <a:t>바이트 다음 차원으로 넘어갈 때는 </a:t>
+            </a:r>
+            <a:r>
+              <a:rPr lang="en-US" altLang="ko-KR" dirty="0"/>
+              <a:t>4</a:t>
+            </a:r>
+            <a:r>
+              <a:rPr lang="ko-KR" altLang="en-US" dirty="0"/>
+              <a:t>줄이니까 </a:t>
+            </a:r>
+            <a:r>
+              <a:rPr lang="en-US" altLang="ko-KR" dirty="0"/>
+              <a:t>160 </a:t>
+            </a:r>
+            <a:r>
+              <a:rPr lang="ko-KR" altLang="en-US" dirty="0"/>
+              <a:t>바이트가 됩니다</a:t>
+            </a:r>
+            <a:r>
+              <a:rPr lang="en-US" altLang="ko-KR" dirty="0"/>
+              <a:t>. </a:t>
+            </a:r>
+            <a:endParaRPr lang="ko-KR" altLang="en-US" dirty="0"/>
           </a:p>
         </p:txBody>
       </p:sp>
@@ -2713,7 +2600,7 @@
           <a:p>
             <a:fld id="{75EF5E0A-6D1A-4AAA-A0DD-4B3D9037FDE6}" type="slidenum">
               <a:rPr lang="ko-KR" altLang="en-US" smtClean="0"/>
-              <a:t>5</a:t>
+              <a:t>4</a:t>
             </a:fld>
             <a:endParaRPr lang="ko-KR" altLang="en-US"/>
           </a:p>
@@ -2722,7 +2609,7 @@
     </p:spTree>
     <p:extLst>
       <p:ext uri="{BB962C8B-B14F-4D97-AF65-F5344CB8AC3E}">
-        <p14:creationId xmlns:p14="http://schemas.microsoft.com/office/powerpoint/2010/main" val="31981257"/>
+        <p14:creationId xmlns:p14="http://schemas.microsoft.com/office/powerpoint/2010/main" val="3031335656"/>
       </p:ext>
     </p:extLst>
   </p:cSld>
@@ -2776,7 +2663,46 @@
           <a:bodyPr/>
           <a:lstStyle/>
           <a:p>
-            <a:endParaRPr lang="en-US" altLang="ko-KR" dirty="0"/>
+            <a:r>
+              <a:rPr lang="ko-KR" altLang="en-US" dirty="0"/>
+              <a:t>종종 배열에 담긴 값의 </a:t>
+            </a:r>
+            <a:r>
+              <a:rPr lang="en-US" altLang="ko-KR" dirty="0"/>
+              <a:t>datatype</a:t>
+            </a:r>
+            <a:r>
+              <a:rPr lang="ko-KR" altLang="en-US" dirty="0"/>
+              <a:t>을 확인 해야 할 때가 있습니다</a:t>
+            </a:r>
+            <a:r>
+              <a:rPr lang="en-US" altLang="ko-KR" dirty="0"/>
+              <a:t>. </a:t>
+            </a:r>
+            <a:r>
+              <a:rPr lang="ko-KR" altLang="en-US" dirty="0"/>
+              <a:t>같은 실수에도 다양한 형태가 있습니다</a:t>
+            </a:r>
+            <a:r>
+              <a:rPr lang="en-US" altLang="ko-KR" dirty="0"/>
+              <a:t>. </a:t>
+            </a:r>
+            <a:r>
+              <a:rPr lang="ko-KR" altLang="en-US" dirty="0"/>
+              <a:t>이 때 </a:t>
+            </a:r>
+            <a:r>
+              <a:rPr lang="en-US" altLang="ko-KR" dirty="0" err="1"/>
+              <a:t>issubtype</a:t>
+            </a:r>
+            <a:r>
+              <a:rPr lang="ko-KR" altLang="en-US" dirty="0"/>
+              <a:t> 함수를 사용해서 부모 클래스를 확인하면 편리합니다</a:t>
+            </a:r>
+            <a:r>
+              <a:rPr lang="en-US" altLang="ko-KR" dirty="0"/>
+              <a:t>. </a:t>
+            </a:r>
           </a:p>
         </p:txBody>
       </p:sp>
@@ -2797,7 +2723,7 @@
           <a:p>
             <a:fld id="{75EF5E0A-6D1A-4AAA-A0DD-4B3D9037FDE6}" type="slidenum">
               <a:rPr lang="ko-KR" altLang="en-US" smtClean="0"/>
-              <a:t>6</a:t>
+              <a:t>5</a:t>
             </a:fld>
             <a:endParaRPr lang="ko-KR" altLang="en-US"/>
           </a:p>
@@ -2806,7 +2732,7 @@
     </p:spTree>
     <p:extLst>
       <p:ext uri="{BB962C8B-B14F-4D97-AF65-F5344CB8AC3E}">
-        <p14:creationId xmlns:p14="http://schemas.microsoft.com/office/powerpoint/2010/main" val="254560800"/>
+        <p14:creationId xmlns:p14="http://schemas.microsoft.com/office/powerpoint/2010/main" val="31981257"/>
       </p:ext>
     </p:extLst>
   </p:cSld>
@@ -2862,13 +2788,20 @@
           <a:p>
             <a:r>
               <a:rPr lang="ko-KR" altLang="en-US" dirty="0"/>
-              <a:t>목차는 다음과 같습니다</a:t>
+              <a:t>부모 클래스는 </a:t>
+            </a:r>
+            <a:r>
+              <a:rPr lang="en-US" altLang="ko-KR" dirty="0" err="1"/>
+              <a:t>mro</a:t>
+            </a:r>
+            <a:r>
+              <a:rPr lang="ko-KR" altLang="en-US" dirty="0"/>
+              <a:t>메서드를 사용해서 할 수 있습니다</a:t>
             </a:r>
             <a:r>
               <a:rPr lang="en-US" altLang="ko-KR" dirty="0"/>
               <a:t>.</a:t>
             </a:r>
-            <a:endParaRPr lang="ko-KR" altLang="en-US" dirty="0"/>
           </a:p>
         </p:txBody>
       </p:sp>
@@ -2889,7 +2822,7 @@
           <a:p>
             <a:fld id="{75EF5E0A-6D1A-4AAA-A0DD-4B3D9037FDE6}" type="slidenum">
               <a:rPr lang="ko-KR" altLang="en-US" smtClean="0"/>
-              <a:t>7</a:t>
+              <a:t>6</a:t>
             </a:fld>
             <a:endParaRPr lang="ko-KR" altLang="en-US"/>
           </a:p>
@@ -2898,7 +2831,7 @@
     </p:spTree>
     <p:extLst>
       <p:ext uri="{BB962C8B-B14F-4D97-AF65-F5344CB8AC3E}">
-        <p14:creationId xmlns:p14="http://schemas.microsoft.com/office/powerpoint/2010/main" val="567872112"/>
+        <p14:creationId xmlns:p14="http://schemas.microsoft.com/office/powerpoint/2010/main" val="254560800"/>
       </p:ext>
     </p:extLst>
   </p:cSld>
@@ -2952,7 +2885,15 @@
           <a:bodyPr/>
           <a:lstStyle/>
           <a:p>
-            <a:endParaRPr lang="en-US" altLang="ko-KR" dirty="0"/>
+            <a:r>
+              <a:rPr lang="ko-KR" altLang="en-US" dirty="0"/>
+              <a:t>목차는 다음과 같습니다</a:t>
+            </a:r>
+            <a:r>
+              <a:rPr lang="en-US" altLang="ko-KR" dirty="0"/>
+              <a:t>.</a:t>
+            </a:r>
+            <a:endParaRPr lang="ko-KR" altLang="en-US" dirty="0"/>
           </a:p>
         </p:txBody>
       </p:sp>
@@ -2973,7 +2914,7 @@
           <a:p>
             <a:fld id="{75EF5E0A-6D1A-4AAA-A0DD-4B3D9037FDE6}" type="slidenum">
               <a:rPr lang="ko-KR" altLang="en-US" smtClean="0"/>
-              <a:t>8</a:t>
+              <a:t>7</a:t>
             </a:fld>
             <a:endParaRPr lang="ko-KR" altLang="en-US"/>
           </a:p>
@@ -2982,7 +2923,7 @@
     </p:spTree>
     <p:extLst>
       <p:ext uri="{BB962C8B-B14F-4D97-AF65-F5344CB8AC3E}">
-        <p14:creationId xmlns:p14="http://schemas.microsoft.com/office/powerpoint/2010/main" val="3257937783"/>
+        <p14:creationId xmlns:p14="http://schemas.microsoft.com/office/powerpoint/2010/main" val="567872112"/>
       </p:ext>
     </p:extLst>
   </p:cSld>
@@ -3036,6 +2977,18 @@
           <a:bodyPr/>
           <a:lstStyle/>
           <a:p>
+            <a:r>
+              <a:rPr lang="ko-KR" altLang="en-US" dirty="0"/>
+              <a:t>배열이 있을 때 </a:t>
+            </a:r>
+            <a:r>
+              <a:rPr lang="en-US" altLang="ko-KR" dirty="0"/>
+              <a:t>reshape</a:t>
+            </a:r>
+            <a:r>
+              <a:rPr lang="ko-KR" altLang="en-US"/>
+              <a:t>함수를 사용하면 배열의 모양을 </a:t>
+            </a:r>
             <a:endParaRPr lang="en-US" altLang="ko-KR" dirty="0"/>
           </a:p>
         </p:txBody>
@@ -3057,7 +3010,7 @@
           <a:p>
             <a:fld id="{75EF5E0A-6D1A-4AAA-A0DD-4B3D9037FDE6}" type="slidenum">
               <a:rPr lang="ko-KR" altLang="en-US" smtClean="0"/>
-              <a:t>9</a:t>
+              <a:t>8</a:t>
             </a:fld>
             <a:endParaRPr lang="ko-KR" altLang="en-US"/>
           </a:p>
@@ -3066,7 +3019,7 @@
     </p:spTree>
     <p:extLst>
       <p:ext uri="{BB962C8B-B14F-4D97-AF65-F5344CB8AC3E}">
-        <p14:creationId xmlns:p14="http://schemas.microsoft.com/office/powerpoint/2010/main" val="673537640"/>
+        <p14:creationId xmlns:p14="http://schemas.microsoft.com/office/powerpoint/2010/main" val="3257937783"/>
       </p:ext>
     </p:extLst>
   </p:cSld>
@@ -3141,7 +3094,7 @@
           <a:p>
             <a:fld id="{75EF5E0A-6D1A-4AAA-A0DD-4B3D9037FDE6}" type="slidenum">
               <a:rPr lang="ko-KR" altLang="en-US" smtClean="0"/>
-              <a:t>10</a:t>
+              <a:t>9</a:t>
             </a:fld>
             <a:endParaRPr lang="ko-KR" altLang="en-US"/>
           </a:p>
@@ -3150,7 +3103,7 @@
     </p:spTree>
     <p:extLst>
       <p:ext uri="{BB962C8B-B14F-4D97-AF65-F5344CB8AC3E}">
-        <p14:creationId xmlns:p14="http://schemas.microsoft.com/office/powerpoint/2010/main" val="3563330889"/>
+        <p14:creationId xmlns:p14="http://schemas.microsoft.com/office/powerpoint/2010/main" val="673537640"/>
       </p:ext>
     </p:extLst>
   </p:cSld>
@@ -3314,7 +3267,7 @@
                 </a:solidFill>
               </a:rPr>
               <a:pPr/>
-              <a:t>2021-07-12</a:t>
+              <a:t>2021-07-13</a:t>
             </a:fld>
             <a:endParaRPr lang="ko-KR" altLang="en-US">
               <a:solidFill>
@@ -3544,7 +3497,7 @@
                 </a:solidFill>
               </a:rPr>
               <a:pPr/>
-              <a:t>2021-07-12</a:t>
+              <a:t>2021-07-13</a:t>
             </a:fld>
             <a:endParaRPr lang="ko-KR" altLang="en-US">
               <a:solidFill>
@@ -3784,7 +3737,7 @@
                 </a:solidFill>
               </a:rPr>
               <a:pPr/>
-              <a:t>2021-07-12</a:t>
+              <a:t>2021-07-13</a:t>
             </a:fld>
             <a:endParaRPr lang="ko-KR" altLang="en-US">
               <a:solidFill>
@@ -4018,7 +3971,7 @@
                 </a:solidFill>
               </a:rPr>
               <a:pPr/>
-              <a:t>2021-07-12</a:t>
+              <a:t>2021-07-13</a:t>
             </a:fld>
             <a:endParaRPr lang="ko-KR" altLang="en-US" dirty="0">
               <a:solidFill>
@@ -4218,7 +4171,7 @@
                 </a:solidFill>
               </a:rPr>
               <a:pPr/>
-              <a:t>2021-07-12</a:t>
+              <a:t>2021-07-13</a:t>
             </a:fld>
             <a:endParaRPr lang="ko-KR" altLang="en-US" dirty="0">
               <a:solidFill>
@@ -4495,7 +4448,7 @@
                 </a:solidFill>
               </a:rPr>
               <a:pPr/>
-              <a:t>2021-07-12</a:t>
+              <a:t>2021-07-13</a:t>
             </a:fld>
             <a:endParaRPr lang="ko-KR" altLang="en-US" dirty="0">
               <a:solidFill>
@@ -4756,7 +4709,7 @@
                 </a:solidFill>
               </a:rPr>
               <a:pPr/>
-              <a:t>2021-07-12</a:t>
+              <a:t>2021-07-13</a:t>
             </a:fld>
             <a:endParaRPr lang="ko-KR" altLang="en-US" dirty="0">
               <a:solidFill>
@@ -5152,7 +5105,7 @@
                 </a:solidFill>
               </a:rPr>
               <a:pPr/>
-              <a:t>2021-07-12</a:t>
+              <a:t>2021-07-13</a:t>
             </a:fld>
             <a:endParaRPr lang="ko-KR" altLang="en-US" dirty="0">
               <a:solidFill>
@@ -5301,7 +5254,7 @@
                 </a:solidFill>
               </a:rPr>
               <a:pPr/>
-              <a:t>2021-07-12</a:t>
+              <a:t>2021-07-13</a:t>
             </a:fld>
             <a:endParaRPr lang="ko-KR" altLang="en-US" dirty="0">
               <a:solidFill>
@@ -5428,7 +5381,7 @@
                 </a:solidFill>
               </a:rPr>
               <a:pPr/>
-              <a:t>2021-07-12</a:t>
+              <a:t>2021-07-13</a:t>
             </a:fld>
             <a:endParaRPr lang="ko-KR" altLang="en-US" dirty="0">
               <a:solidFill>
@@ -5735,7 +5688,7 @@
                 </a:solidFill>
               </a:rPr>
               <a:pPr/>
-              <a:t>2021-07-12</a:t>
+              <a:t>2021-07-13</a:t>
             </a:fld>
             <a:endParaRPr lang="ko-KR" altLang="en-US" dirty="0">
               <a:solidFill>
@@ -5953,7 +5906,7 @@
                 </a:solidFill>
               </a:rPr>
               <a:pPr/>
-              <a:t>2021-07-12</a:t>
+              <a:t>2021-07-13</a:t>
             </a:fld>
             <a:endParaRPr lang="ko-KR" altLang="en-US">
               <a:solidFill>
@@ -6249,7 +6202,7 @@
                 </a:solidFill>
               </a:rPr>
               <a:pPr/>
-              <a:t>2021-07-12</a:t>
+              <a:t>2021-07-13</a:t>
             </a:fld>
             <a:endParaRPr lang="ko-KR" altLang="en-US" dirty="0">
               <a:solidFill>
@@ -6449,7 +6402,7 @@
                 </a:solidFill>
               </a:rPr>
               <a:pPr/>
-              <a:t>2021-07-12</a:t>
+              <a:t>2021-07-13</a:t>
             </a:fld>
             <a:endParaRPr lang="ko-KR" altLang="en-US" dirty="0">
               <a:solidFill>
@@ -6659,7 +6612,7 @@
                 </a:solidFill>
               </a:rPr>
               <a:pPr/>
-              <a:t>2021-07-12</a:t>
+              <a:t>2021-07-13</a:t>
             </a:fld>
             <a:endParaRPr lang="ko-KR" altLang="en-US" dirty="0">
               <a:solidFill>
@@ -6954,7 +6907,7 @@
                 </a:solidFill>
               </a:rPr>
               <a:pPr/>
-              <a:t>2021-07-12</a:t>
+              <a:t>2021-07-13</a:t>
             </a:fld>
             <a:endParaRPr lang="ko-KR" altLang="en-US">
               <a:solidFill>
@@ -7251,7 +7204,7 @@
                 </a:solidFill>
               </a:rPr>
               <a:pPr/>
-              <a:t>2021-07-12</a:t>
+              <a:t>2021-07-13</a:t>
             </a:fld>
             <a:endParaRPr lang="ko-KR" altLang="en-US">
               <a:solidFill>
@@ -7695,7 +7648,7 @@
                 </a:solidFill>
               </a:rPr>
               <a:pPr/>
-              <a:t>2021-07-12</a:t>
+              <a:t>2021-07-13</a:t>
             </a:fld>
             <a:endParaRPr lang="ko-KR" altLang="en-US">
               <a:solidFill>
@@ -7868,7 +7821,7 @@
                 </a:solidFill>
               </a:rPr>
               <a:pPr/>
-              <a:t>2021-07-12</a:t>
+              <a:t>2021-07-13</a:t>
             </a:fld>
             <a:endParaRPr lang="ko-KR" altLang="en-US">
               <a:solidFill>
@@ -8013,7 +7966,7 @@
                 </a:solidFill>
               </a:rPr>
               <a:pPr/>
-              <a:t>2021-07-12</a:t>
+              <a:t>2021-07-13</a:t>
             </a:fld>
             <a:endParaRPr lang="ko-KR" altLang="en-US">
               <a:solidFill>
@@ -8356,7 +8309,7 @@
                 </a:solidFill>
               </a:rPr>
               <a:pPr/>
-              <a:t>2021-07-12</a:t>
+              <a:t>2021-07-13</a:t>
             </a:fld>
             <a:endParaRPr lang="ko-KR" altLang="en-US">
               <a:solidFill>
@@ -8676,7 +8629,7 @@
                 </a:solidFill>
               </a:rPr>
               <a:pPr/>
-              <a:t>2021-07-12</a:t>
+              <a:t>2021-07-13</a:t>
             </a:fld>
             <a:endParaRPr lang="ko-KR" altLang="en-US">
               <a:solidFill>
@@ -8958,7 +8911,7 @@
                 </a:solidFill>
               </a:rPr>
               <a:pPr/>
-              <a:t>2021-07-12</a:t>
+              <a:t>2021-07-13</a:t>
             </a:fld>
             <a:endParaRPr lang="ko-KR" altLang="en-US">
               <a:solidFill>
@@ -9549,7 +9502,7 @@
                 </a:solidFill>
               </a:rPr>
               <a:pPr/>
-              <a:t>2021-07-12</a:t>
+              <a:t>2021-07-13</a:t>
             </a:fld>
             <a:endParaRPr lang="ko-KR" altLang="en-US" dirty="0">
               <a:solidFill>
@@ -11524,8 +11477,8 @@
         </p:blipFill>
         <p:spPr>
           <a:xfrm>
-            <a:off x="4805636" y="591221"/>
-            <a:ext cx="6791325" cy="5505450"/>
+            <a:off x="6802868" y="861033"/>
+            <a:ext cx="5220905" cy="4232375"/>
           </a:xfrm>
           <a:prstGeom prst="rect">
             <a:avLst/>
@@ -11713,10 +11666,10 @@
       </p:sp>
       <p:pic>
         <p:nvPicPr>
-          <p:cNvPr id="7" name="그림 6">
+          <p:cNvPr id="4" name="그림 3">
             <a:extLst>
               <a:ext uri="{FF2B5EF4-FFF2-40B4-BE49-F238E27FC236}">
-                <a16:creationId xmlns:a16="http://schemas.microsoft.com/office/drawing/2014/main" id="{E9BD13A6-0444-4F92-8658-7E1A0A8A0D70}"/>
+                <a16:creationId xmlns:a16="http://schemas.microsoft.com/office/drawing/2014/main" id="{8C409985-C64D-4187-A434-E7E910494478}"/>
               </a:ext>
             </a:extLst>
           </p:cNvPr>
@@ -11733,37 +11686,7 @@
         </p:blipFill>
         <p:spPr>
           <a:xfrm>
-            <a:off x="729583" y="1166187"/>
-            <a:ext cx="6368642" cy="5162798"/>
-          </a:xfrm>
-          <a:prstGeom prst="rect">
-            <a:avLst/>
-          </a:prstGeom>
-        </p:spPr>
-      </p:pic>
-      <p:pic>
-        <p:nvPicPr>
-          <p:cNvPr id="4" name="그림 3">
-            <a:extLst>
-              <a:ext uri="{FF2B5EF4-FFF2-40B4-BE49-F238E27FC236}">
-                <a16:creationId xmlns:a16="http://schemas.microsoft.com/office/drawing/2014/main" id="{8C409985-C64D-4187-A434-E7E910494478}"/>
-              </a:ext>
-            </a:extLst>
-          </p:cNvPr>
-          <p:cNvPicPr>
-            <a:picLocks noChangeAspect="1"/>
-          </p:cNvPicPr>
-          <p:nvPr/>
-        </p:nvPicPr>
-        <p:blipFill>
-          <a:blip r:embed="rId4"/>
-          <a:stretch>
-            <a:fillRect/>
-          </a:stretch>
-        </p:blipFill>
-        <p:spPr>
-          <a:xfrm>
-            <a:off x="5492442" y="2302472"/>
+            <a:off x="595039" y="1573423"/>
             <a:ext cx="6368642" cy="3175807"/>
           </a:xfrm>
           <a:prstGeom prst="rect">
@@ -12550,225 +12473,6 @@
       </p:grpSpPr>
       <p:sp>
         <p:nvSpPr>
-          <p:cNvPr id="17" name="직사각형 16">
-            <a:extLst>
-              <a:ext uri="{FF2B5EF4-FFF2-40B4-BE49-F238E27FC236}">
-                <a16:creationId xmlns:a16="http://schemas.microsoft.com/office/drawing/2014/main" id="{B071631C-61C2-442F-AC0D-8D1DAC1153B8}"/>
-              </a:ext>
-            </a:extLst>
-          </p:cNvPr>
-          <p:cNvSpPr/>
-          <p:nvPr/>
-        </p:nvSpPr>
-        <p:spPr>
-          <a:xfrm>
-            <a:off x="3136216" y="6645715"/>
-            <a:ext cx="5919563" cy="45719"/>
-          </a:xfrm>
-          <a:prstGeom prst="rect">
-            <a:avLst/>
-          </a:prstGeom>
-          <a:solidFill>
-            <a:srgbClr val="4E5D70"/>
-          </a:solidFill>
-          <a:ln>
-            <a:noFill/>
-          </a:ln>
-        </p:spPr>
-        <p:style>
-          <a:lnRef idx="2">
-            <a:schemeClr val="accent1">
-              <a:shade val="50000"/>
-            </a:schemeClr>
-          </a:lnRef>
-          <a:fillRef idx="1">
-            <a:schemeClr val="accent1"/>
-          </a:fillRef>
-          <a:effectRef idx="0">
-            <a:schemeClr val="accent1"/>
-          </a:effectRef>
-          <a:fontRef idx="minor">
-            <a:schemeClr val="lt1"/>
-          </a:fontRef>
-        </p:style>
-        <p:txBody>
-          <a:bodyPr rtlCol="0" anchor="ctr"/>
-          <a:lstStyle/>
-          <a:p>
-            <a:pPr algn="ctr"/>
-            <a:endParaRPr lang="ko-KR" altLang="en-US">
-              <a:solidFill>
-                <a:prstClr val="white"/>
-              </a:solidFill>
-            </a:endParaRPr>
-          </a:p>
-        </p:txBody>
-      </p:sp>
-      <p:sp>
-        <p:nvSpPr>
-          <p:cNvPr id="6" name="직사각형 5">
-            <a:extLst>
-              <a:ext uri="{FF2B5EF4-FFF2-40B4-BE49-F238E27FC236}">
-                <a16:creationId xmlns:a16="http://schemas.microsoft.com/office/drawing/2014/main" id="{D56433FD-09E3-4E08-BFC0-E3CACB00E089}"/>
-              </a:ext>
-            </a:extLst>
-          </p:cNvPr>
-          <p:cNvSpPr/>
-          <p:nvPr/>
-        </p:nvSpPr>
-        <p:spPr>
-          <a:xfrm>
-            <a:off x="595039" y="591221"/>
-            <a:ext cx="5220904" cy="574966"/>
-          </a:xfrm>
-          <a:prstGeom prst="rect">
-            <a:avLst/>
-          </a:prstGeom>
-        </p:spPr>
-        <p:txBody>
-          <a:bodyPr wrap="square">
-            <a:spAutoFit/>
-          </a:bodyPr>
-          <a:lstStyle/>
-          <a:p>
-            <a:pPr latinLnBrk="0">
-              <a:lnSpc>
-                <a:spcPct val="150000"/>
-              </a:lnSpc>
-              <a:defRPr/>
-            </a:pPr>
-            <a:r>
-              <a:rPr lang="en-US" altLang="ko-KR" sz="2400" b="1" u="sng" kern="0" dirty="0">
-                <a:solidFill>
-                  <a:schemeClr val="accent1">
-                    <a:lumMod val="50000"/>
-                  </a:schemeClr>
-                </a:solidFill>
-              </a:rPr>
-              <a:t>A.2.5 </a:t>
-            </a:r>
-            <a:r>
-              <a:rPr lang="ko-KR" altLang="en-US" sz="2400" b="1" u="sng" kern="0" dirty="0" err="1">
-                <a:solidFill>
-                  <a:schemeClr val="accent1">
-                    <a:lumMod val="50000"/>
-                  </a:schemeClr>
-                </a:solidFill>
-              </a:rPr>
-              <a:t>팬시</a:t>
-            </a:r>
-            <a:r>
-              <a:rPr lang="ko-KR" altLang="en-US" sz="2400" b="1" u="sng" kern="0" dirty="0">
-                <a:solidFill>
-                  <a:schemeClr val="accent1">
-                    <a:lumMod val="50000"/>
-                  </a:schemeClr>
-                </a:solidFill>
-              </a:rPr>
-              <a:t> 색인 </a:t>
-            </a:r>
-            <a:r>
-              <a:rPr lang="en-US" altLang="ko-KR" sz="2400" b="1" u="sng" kern="0" dirty="0">
-                <a:solidFill>
-                  <a:schemeClr val="accent1">
-                    <a:lumMod val="50000"/>
-                  </a:schemeClr>
-                </a:solidFill>
-              </a:rPr>
-              <a:t>take</a:t>
-            </a:r>
-            <a:r>
-              <a:rPr lang="ko-KR" altLang="en-US" sz="2400" b="1" u="sng" kern="0" dirty="0">
-                <a:solidFill>
-                  <a:schemeClr val="accent1">
-                    <a:lumMod val="50000"/>
-                  </a:schemeClr>
-                </a:solidFill>
-              </a:rPr>
-              <a:t>과 </a:t>
-            </a:r>
-            <a:r>
-              <a:rPr lang="en-US" altLang="ko-KR" sz="2400" b="1" u="sng" kern="0" dirty="0">
-                <a:solidFill>
-                  <a:schemeClr val="accent1">
-                    <a:lumMod val="50000"/>
-                  </a:schemeClr>
-                </a:solidFill>
-              </a:rPr>
-              <a:t>put</a:t>
-            </a:r>
-            <a:endParaRPr lang="en-US" altLang="ko-KR" sz="2400" b="1" i="1" kern="0" dirty="0">
-              <a:solidFill>
-                <a:schemeClr val="accent1">
-                  <a:lumMod val="50000"/>
-                </a:schemeClr>
-              </a:solidFill>
-            </a:endParaRPr>
-          </a:p>
-        </p:txBody>
-      </p:sp>
-      <p:pic>
-        <p:nvPicPr>
-          <p:cNvPr id="4" name="그림 3">
-            <a:extLst>
-              <a:ext uri="{FF2B5EF4-FFF2-40B4-BE49-F238E27FC236}">
-                <a16:creationId xmlns:a16="http://schemas.microsoft.com/office/drawing/2014/main" id="{F3C50A18-1AEC-4FAE-9531-561CDCFD4391}"/>
-              </a:ext>
-            </a:extLst>
-          </p:cNvPr>
-          <p:cNvPicPr>
-            <a:picLocks noChangeAspect="1"/>
-          </p:cNvPicPr>
-          <p:nvPr/>
-        </p:nvPicPr>
-        <p:blipFill>
-          <a:blip r:embed="rId3"/>
-          <a:stretch>
-            <a:fillRect/>
-          </a:stretch>
-        </p:blipFill>
-        <p:spPr>
-          <a:xfrm>
-            <a:off x="744564" y="1514313"/>
-            <a:ext cx="7696200" cy="3581400"/>
-          </a:xfrm>
-          <a:prstGeom prst="rect">
-            <a:avLst/>
-          </a:prstGeom>
-        </p:spPr>
-      </p:pic>
-    </p:spTree>
-    <p:extLst>
-      <p:ext uri="{BB962C8B-B14F-4D97-AF65-F5344CB8AC3E}">
-        <p14:creationId xmlns:p14="http://schemas.microsoft.com/office/powerpoint/2010/main" val="1462602499"/>
-      </p:ext>
-    </p:extLst>
-  </p:cSld>
-  <p:clrMapOvr>
-    <a:masterClrMapping/>
-  </p:clrMapOvr>
-</p:sld>
-</file>
-
-<file path=ppt/slides/slide21.xml><?xml version="1.0" encoding="utf-8"?>
-<p:sld xmlns:a="http://schemas.openxmlformats.org/drawingml/2006/main" xmlns:r="http://schemas.openxmlformats.org/officeDocument/2006/relationships" xmlns:p="http://schemas.openxmlformats.org/presentationml/2006/main">
-  <p:cSld>
-    <p:spTree>
-      <p:nvGrpSpPr>
-        <p:cNvPr id="1" name=""/>
-        <p:cNvGrpSpPr/>
-        <p:nvPr/>
-      </p:nvGrpSpPr>
-      <p:grpSpPr>
-        <a:xfrm>
-          <a:off x="0" y="0"/>
-          <a:ext cx="0" cy="0"/>
-          <a:chOff x="0" y="0"/>
-          <a:chExt cx="0" cy="0"/>
-        </a:xfrm>
-      </p:grpSpPr>
-      <p:sp>
-        <p:nvSpPr>
           <p:cNvPr id="2" name="제목 1">
             <a:extLst>
               <a:ext uri="{FF2B5EF4-FFF2-40B4-BE49-F238E27FC236}">
@@ -12837,7 +12541,7 @@
 </p:sld>
 </file>
 
-<file path=ppt/slides/slide22.xml><?xml version="1.0" encoding="utf-8"?>
+<file path=ppt/slides/slide21.xml><?xml version="1.0" encoding="utf-8"?>
 <p:sld xmlns:a="http://schemas.openxmlformats.org/drawingml/2006/main" xmlns:r="http://schemas.openxmlformats.org/officeDocument/2006/relationships" xmlns:p="http://schemas.openxmlformats.org/presentationml/2006/main">
   <p:cSld>
     <p:spTree>
@@ -12931,7 +12635,7 @@
 </p:sld>
 </file>
 
-<file path=ppt/slides/slide23.xml><?xml version="1.0" encoding="utf-8"?>
+<file path=ppt/slides/slide22.xml><?xml version="1.0" encoding="utf-8"?>
 <p:sld xmlns:a="http://schemas.openxmlformats.org/drawingml/2006/main" xmlns:r="http://schemas.openxmlformats.org/officeDocument/2006/relationships" xmlns:p="http://schemas.openxmlformats.org/presentationml/2006/main">
   <p:cSld>
     <p:spTree>
@@ -13130,7 +12834,7 @@
 </p:sld>
 </file>
 
-<file path=ppt/slides/slide24.xml><?xml version="1.0" encoding="utf-8"?>
+<file path=ppt/slides/slide23.xml><?xml version="1.0" encoding="utf-8"?>
 <p:sld xmlns:a="http://schemas.openxmlformats.org/drawingml/2006/main" xmlns:r="http://schemas.openxmlformats.org/officeDocument/2006/relationships" xmlns:p="http://schemas.openxmlformats.org/presentationml/2006/main">
   <p:cSld>
     <p:spTree>
@@ -13329,206 +13033,7 @@
 </p:sld>
 </file>
 
-<file path=ppt/slides/slide25.xml><?xml version="1.0" encoding="utf-8"?>
-<p:sld xmlns:a="http://schemas.openxmlformats.org/drawingml/2006/main" xmlns:r="http://schemas.openxmlformats.org/officeDocument/2006/relationships" xmlns:p="http://schemas.openxmlformats.org/presentationml/2006/main">
-  <p:cSld>
-    <p:spTree>
-      <p:nvGrpSpPr>
-        <p:cNvPr id="1" name=""/>
-        <p:cNvGrpSpPr/>
-        <p:nvPr/>
-      </p:nvGrpSpPr>
-      <p:grpSpPr>
-        <a:xfrm>
-          <a:off x="0" y="0"/>
-          <a:ext cx="0" cy="0"/>
-          <a:chOff x="0" y="0"/>
-          <a:chExt cx="0" cy="0"/>
-        </a:xfrm>
-      </p:grpSpPr>
-      <p:sp>
-        <p:nvSpPr>
-          <p:cNvPr id="17" name="직사각형 16">
-            <a:extLst>
-              <a:ext uri="{FF2B5EF4-FFF2-40B4-BE49-F238E27FC236}">
-                <a16:creationId xmlns:a16="http://schemas.microsoft.com/office/drawing/2014/main" id="{B071631C-61C2-442F-AC0D-8D1DAC1153B8}"/>
-              </a:ext>
-            </a:extLst>
-          </p:cNvPr>
-          <p:cNvSpPr/>
-          <p:nvPr/>
-        </p:nvSpPr>
-        <p:spPr>
-          <a:xfrm>
-            <a:off x="3136216" y="6645715"/>
-            <a:ext cx="5919563" cy="45719"/>
-          </a:xfrm>
-          <a:prstGeom prst="rect">
-            <a:avLst/>
-          </a:prstGeom>
-          <a:solidFill>
-            <a:srgbClr val="4E5D70"/>
-          </a:solidFill>
-          <a:ln>
-            <a:noFill/>
-          </a:ln>
-        </p:spPr>
-        <p:style>
-          <a:lnRef idx="2">
-            <a:schemeClr val="accent1">
-              <a:shade val="50000"/>
-            </a:schemeClr>
-          </a:lnRef>
-          <a:fillRef idx="1">
-            <a:schemeClr val="accent1"/>
-          </a:fillRef>
-          <a:effectRef idx="0">
-            <a:schemeClr val="accent1"/>
-          </a:effectRef>
-          <a:fontRef idx="minor">
-            <a:schemeClr val="lt1"/>
-          </a:fontRef>
-        </p:style>
-        <p:txBody>
-          <a:bodyPr rtlCol="0" anchor="ctr"/>
-          <a:lstStyle/>
-          <a:p>
-            <a:pPr algn="ctr"/>
-            <a:endParaRPr lang="ko-KR" altLang="en-US">
-              <a:solidFill>
-                <a:prstClr val="white"/>
-              </a:solidFill>
-            </a:endParaRPr>
-          </a:p>
-        </p:txBody>
-      </p:sp>
-      <p:sp>
-        <p:nvSpPr>
-          <p:cNvPr id="6" name="직사각형 5">
-            <a:extLst>
-              <a:ext uri="{FF2B5EF4-FFF2-40B4-BE49-F238E27FC236}">
-                <a16:creationId xmlns:a16="http://schemas.microsoft.com/office/drawing/2014/main" id="{D56433FD-09E3-4E08-BFC0-E3CACB00E089}"/>
-              </a:ext>
-            </a:extLst>
-          </p:cNvPr>
-          <p:cNvSpPr/>
-          <p:nvPr/>
-        </p:nvSpPr>
-        <p:spPr>
-          <a:xfrm>
-            <a:off x="595038" y="591221"/>
-            <a:ext cx="6361815" cy="574966"/>
-          </a:xfrm>
-          <a:prstGeom prst="rect">
-            <a:avLst/>
-          </a:prstGeom>
-        </p:spPr>
-        <p:txBody>
-          <a:bodyPr wrap="square">
-            <a:spAutoFit/>
-          </a:bodyPr>
-          <a:lstStyle/>
-          <a:p>
-            <a:pPr latinLnBrk="0">
-              <a:lnSpc>
-                <a:spcPct val="150000"/>
-              </a:lnSpc>
-              <a:defRPr/>
-            </a:pPr>
-            <a:r>
-              <a:rPr lang="en-US" altLang="ko-KR" sz="2400" b="1" u="sng" kern="0" dirty="0">
-                <a:solidFill>
-                  <a:schemeClr val="accent1">
-                    <a:lumMod val="50000"/>
-                  </a:schemeClr>
-                </a:solidFill>
-              </a:rPr>
-              <a:t>A.3.1 </a:t>
-            </a:r>
-            <a:r>
-              <a:rPr lang="ko-KR" altLang="en-US" sz="2400" b="1" u="sng" kern="0" dirty="0">
-                <a:solidFill>
-                  <a:schemeClr val="accent1">
-                    <a:lumMod val="50000"/>
-                  </a:schemeClr>
-                </a:solidFill>
-              </a:rPr>
-              <a:t>다른 축에 대해 </a:t>
-            </a:r>
-            <a:r>
-              <a:rPr lang="ko-KR" altLang="en-US" sz="2400" b="1" u="sng" kern="0" dirty="0" err="1">
-                <a:solidFill>
-                  <a:schemeClr val="accent1">
-                    <a:lumMod val="50000"/>
-                  </a:schemeClr>
-                </a:solidFill>
-              </a:rPr>
-              <a:t>브로드캐스팅</a:t>
-            </a:r>
-            <a:r>
-              <a:rPr lang="ko-KR" altLang="en-US" sz="2400" b="1" u="sng" kern="0" dirty="0">
-                <a:solidFill>
-                  <a:schemeClr val="accent1">
-                    <a:lumMod val="50000"/>
-                  </a:schemeClr>
-                </a:solidFill>
-              </a:rPr>
-              <a:t> 하기</a:t>
-            </a:r>
-            <a:endParaRPr lang="en-US" altLang="ko-KR" sz="2400" b="1" i="1" kern="0" dirty="0">
-              <a:solidFill>
-                <a:schemeClr val="accent1">
-                  <a:lumMod val="50000"/>
-                </a:schemeClr>
-              </a:solidFill>
-            </a:endParaRPr>
-          </a:p>
-        </p:txBody>
-      </p:sp>
-      <p:pic>
-        <p:nvPicPr>
-          <p:cNvPr id="3" name="그림 2">
-            <a:extLst>
-              <a:ext uri="{FF2B5EF4-FFF2-40B4-BE49-F238E27FC236}">
-                <a16:creationId xmlns:a16="http://schemas.microsoft.com/office/drawing/2014/main" id="{0DDB7E38-3620-41A3-9887-91665B84C86C}"/>
-              </a:ext>
-            </a:extLst>
-          </p:cNvPr>
-          <p:cNvPicPr>
-            <a:picLocks noChangeAspect="1"/>
-          </p:cNvPicPr>
-          <p:nvPr/>
-        </p:nvPicPr>
-        <p:blipFill>
-          <a:blip r:embed="rId3"/>
-          <a:stretch>
-            <a:fillRect/>
-          </a:stretch>
-        </p:blipFill>
-        <p:spPr>
-          <a:xfrm>
-            <a:off x="595038" y="1166187"/>
-            <a:ext cx="4191000" cy="4857750"/>
-          </a:xfrm>
-          <a:prstGeom prst="rect">
-            <a:avLst/>
-          </a:prstGeom>
-        </p:spPr>
-      </p:pic>
-    </p:spTree>
-    <p:extLst>
-      <p:ext uri="{BB962C8B-B14F-4D97-AF65-F5344CB8AC3E}">
-        <p14:creationId xmlns:p14="http://schemas.microsoft.com/office/powerpoint/2010/main" val="1950595950"/>
-      </p:ext>
-    </p:extLst>
-  </p:cSld>
-  <p:clrMapOvr>
-    <a:masterClrMapping/>
-  </p:clrMapOvr>
-</p:sld>
-</file>
-
-<file path=ppt/slides/slide26.xml><?xml version="1.0" encoding="utf-8"?>
+<file path=ppt/slides/slide24.xml><?xml version="1.0" encoding="utf-8"?>
 <p:sld xmlns:a="http://schemas.openxmlformats.org/drawingml/2006/main" xmlns:r="http://schemas.openxmlformats.org/officeDocument/2006/relationships" xmlns:p="http://schemas.openxmlformats.org/presentationml/2006/main">
   <p:cSld>
     <p:spTree>
@@ -13747,7 +13252,7 @@
 </p:sld>
 </file>
 
-<file path=ppt/slides/slide27.xml><?xml version="1.0" encoding="utf-8"?>
+<file path=ppt/slides/slide25.xml><?xml version="1.0" encoding="utf-8"?>
 <p:sld xmlns:a="http://schemas.openxmlformats.org/drawingml/2006/main" xmlns:r="http://schemas.openxmlformats.org/officeDocument/2006/relationships" xmlns:p="http://schemas.openxmlformats.org/presentationml/2006/main">
   <p:cSld>
     <p:spTree>
@@ -13857,7 +13362,7 @@
 </p:sld>
 </file>
 
-<file path=ppt/slides/slide28.xml><?xml version="1.0" encoding="utf-8"?>
+<file path=ppt/slides/slide26.xml><?xml version="1.0" encoding="utf-8"?>
 <p:sld xmlns:a="http://schemas.openxmlformats.org/drawingml/2006/main" xmlns:r="http://schemas.openxmlformats.org/officeDocument/2006/relationships" xmlns:p="http://schemas.openxmlformats.org/presentationml/2006/main">
   <p:cSld>
     <p:spTree>
@@ -14106,7 +13611,7 @@
 </p:sld>
 </file>
 
-<file path=ppt/slides/slide29.xml><?xml version="1.0" encoding="utf-8"?>
+<file path=ppt/slides/slide27.xml><?xml version="1.0" encoding="utf-8"?>
 <p:sld xmlns:a="http://schemas.openxmlformats.org/drawingml/2006/main" xmlns:r="http://schemas.openxmlformats.org/officeDocument/2006/relationships" xmlns:p="http://schemas.openxmlformats.org/presentationml/2006/main">
   <p:cSld>
     <p:spTree>
@@ -14355,6 +13860,292 @@
 </p:sld>
 </file>
 
+<file path=ppt/slides/slide28.xml><?xml version="1.0" encoding="utf-8"?>
+<p:sld xmlns:a="http://schemas.openxmlformats.org/drawingml/2006/main" xmlns:r="http://schemas.openxmlformats.org/officeDocument/2006/relationships" xmlns:p="http://schemas.openxmlformats.org/presentationml/2006/main">
+  <p:cSld>
+    <p:spTree>
+      <p:nvGrpSpPr>
+        <p:cNvPr id="1" name=""/>
+        <p:cNvGrpSpPr/>
+        <p:nvPr/>
+      </p:nvGrpSpPr>
+      <p:grpSpPr>
+        <a:xfrm>
+          <a:off x="0" y="0"/>
+          <a:ext cx="0" cy="0"/>
+          <a:chOff x="0" y="0"/>
+          <a:chExt cx="0" cy="0"/>
+        </a:xfrm>
+      </p:grpSpPr>
+      <p:sp>
+        <p:nvSpPr>
+          <p:cNvPr id="17" name="직사각형 16">
+            <a:extLst>
+              <a:ext uri="{FF2B5EF4-FFF2-40B4-BE49-F238E27FC236}">
+                <a16:creationId xmlns:a16="http://schemas.microsoft.com/office/drawing/2014/main" id="{B071631C-61C2-442F-AC0D-8D1DAC1153B8}"/>
+              </a:ext>
+            </a:extLst>
+          </p:cNvPr>
+          <p:cNvSpPr/>
+          <p:nvPr/>
+        </p:nvSpPr>
+        <p:spPr>
+          <a:xfrm>
+            <a:off x="3136216" y="6645715"/>
+            <a:ext cx="5919563" cy="45719"/>
+          </a:xfrm>
+          <a:prstGeom prst="rect">
+            <a:avLst/>
+          </a:prstGeom>
+          <a:solidFill>
+            <a:srgbClr val="4E5D70"/>
+          </a:solidFill>
+          <a:ln>
+            <a:noFill/>
+          </a:ln>
+        </p:spPr>
+        <p:style>
+          <a:lnRef idx="2">
+            <a:schemeClr val="accent1">
+              <a:shade val="50000"/>
+            </a:schemeClr>
+          </a:lnRef>
+          <a:fillRef idx="1">
+            <a:schemeClr val="accent1"/>
+          </a:fillRef>
+          <a:effectRef idx="0">
+            <a:schemeClr val="accent1"/>
+          </a:effectRef>
+          <a:fontRef idx="minor">
+            <a:schemeClr val="lt1"/>
+          </a:fontRef>
+        </p:style>
+        <p:txBody>
+          <a:bodyPr rtlCol="0" anchor="ctr"/>
+          <a:lstStyle/>
+          <a:p>
+            <a:pPr algn="ctr"/>
+            <a:endParaRPr lang="ko-KR" altLang="en-US">
+              <a:solidFill>
+                <a:prstClr val="white"/>
+              </a:solidFill>
+            </a:endParaRPr>
+          </a:p>
+        </p:txBody>
+      </p:sp>
+      <p:sp>
+        <p:nvSpPr>
+          <p:cNvPr id="6" name="직사각형 5">
+            <a:extLst>
+              <a:ext uri="{FF2B5EF4-FFF2-40B4-BE49-F238E27FC236}">
+                <a16:creationId xmlns:a16="http://schemas.microsoft.com/office/drawing/2014/main" id="{D56433FD-09E3-4E08-BFC0-E3CACB00E089}"/>
+              </a:ext>
+            </a:extLst>
+          </p:cNvPr>
+          <p:cNvSpPr/>
+          <p:nvPr/>
+        </p:nvSpPr>
+        <p:spPr>
+          <a:xfrm>
+            <a:off x="595038" y="591221"/>
+            <a:ext cx="10572072" cy="574966"/>
+          </a:xfrm>
+          <a:prstGeom prst="rect">
+            <a:avLst/>
+          </a:prstGeom>
+        </p:spPr>
+        <p:txBody>
+          <a:bodyPr wrap="square">
+            <a:spAutoFit/>
+          </a:bodyPr>
+          <a:lstStyle/>
+          <a:p>
+            <a:pPr latinLnBrk="0">
+              <a:lnSpc>
+                <a:spcPct val="150000"/>
+              </a:lnSpc>
+              <a:defRPr/>
+            </a:pPr>
+            <a:r>
+              <a:rPr lang="en-US" altLang="ko-KR" sz="2400" b="1" u="sng" kern="0" dirty="0">
+                <a:solidFill>
+                  <a:schemeClr val="accent1">
+                    <a:lumMod val="50000"/>
+                  </a:schemeClr>
+                </a:solidFill>
+              </a:rPr>
+              <a:t>A.4.2 </a:t>
+            </a:r>
+            <a:r>
+              <a:rPr lang="ko-KR" altLang="en-US" sz="2400" b="1" u="sng" kern="0" dirty="0" err="1">
+                <a:solidFill>
+                  <a:schemeClr val="accent1">
+                    <a:lumMod val="50000"/>
+                  </a:schemeClr>
+                </a:solidFill>
+              </a:rPr>
+              <a:t>파이썬으로</a:t>
+            </a:r>
+            <a:r>
+              <a:rPr lang="ko-KR" altLang="en-US" sz="2400" b="1" u="sng" kern="0" dirty="0">
+                <a:solidFill>
+                  <a:schemeClr val="accent1">
+                    <a:lumMod val="50000"/>
+                  </a:schemeClr>
+                </a:solidFill>
+              </a:rPr>
+              <a:t> 사용자 정의 </a:t>
+            </a:r>
+            <a:r>
+              <a:rPr lang="en-US" altLang="ko-KR" sz="2400" b="1" u="sng" kern="0" dirty="0" err="1">
+                <a:solidFill>
+                  <a:schemeClr val="accent1">
+                    <a:lumMod val="50000"/>
+                  </a:schemeClr>
+                </a:solidFill>
+              </a:rPr>
+              <a:t>ufunc</a:t>
+            </a:r>
+            <a:r>
+              <a:rPr lang="en-US" altLang="ko-KR" sz="2400" b="1" u="sng" kern="0" dirty="0">
+                <a:solidFill>
+                  <a:schemeClr val="accent1">
+                    <a:lumMod val="50000"/>
+                  </a:schemeClr>
+                </a:solidFill>
+              </a:rPr>
+              <a:t> </a:t>
+            </a:r>
+            <a:r>
+              <a:rPr lang="ko-KR" altLang="en-US" sz="2400" b="1" u="sng" kern="0" dirty="0">
+                <a:solidFill>
+                  <a:schemeClr val="accent1">
+                    <a:lumMod val="50000"/>
+                  </a:schemeClr>
+                </a:solidFill>
+              </a:rPr>
+              <a:t>정의 하기</a:t>
+            </a:r>
+            <a:endParaRPr lang="en-US" altLang="ko-KR" sz="2400" b="1" i="1" kern="0" dirty="0">
+              <a:solidFill>
+                <a:schemeClr val="accent1">
+                  <a:lumMod val="50000"/>
+                </a:schemeClr>
+              </a:solidFill>
+            </a:endParaRPr>
+          </a:p>
+        </p:txBody>
+      </p:sp>
+      <p:pic>
+        <p:nvPicPr>
+          <p:cNvPr id="4" name="그림 3">
+            <a:extLst>
+              <a:ext uri="{FF2B5EF4-FFF2-40B4-BE49-F238E27FC236}">
+                <a16:creationId xmlns:a16="http://schemas.microsoft.com/office/drawing/2014/main" id="{FAC10743-B248-4771-BF7F-89504A535E31}"/>
+              </a:ext>
+            </a:extLst>
+          </p:cNvPr>
+          <p:cNvPicPr>
+            <a:picLocks noChangeAspect="1"/>
+          </p:cNvPicPr>
+          <p:nvPr/>
+        </p:nvPicPr>
+        <p:blipFill>
+          <a:blip r:embed="rId3"/>
+          <a:stretch>
+            <a:fillRect/>
+          </a:stretch>
+        </p:blipFill>
+        <p:spPr>
+          <a:xfrm>
+            <a:off x="1491503" y="1532404"/>
+            <a:ext cx="5981700" cy="4438650"/>
+          </a:xfrm>
+          <a:prstGeom prst="rect">
+            <a:avLst/>
+          </a:prstGeom>
+        </p:spPr>
+      </p:pic>
+    </p:spTree>
+    <p:extLst>
+      <p:ext uri="{BB962C8B-B14F-4D97-AF65-F5344CB8AC3E}">
+        <p14:creationId xmlns:p14="http://schemas.microsoft.com/office/powerpoint/2010/main" val="849214696"/>
+      </p:ext>
+    </p:extLst>
+  </p:cSld>
+  <p:clrMapOvr>
+    <a:masterClrMapping/>
+  </p:clrMapOvr>
+</p:sld>
+</file>
+
+<file path=ppt/slides/slide29.xml><?xml version="1.0" encoding="utf-8"?>
+<p:sld xmlns:a="http://schemas.openxmlformats.org/drawingml/2006/main" xmlns:r="http://schemas.openxmlformats.org/officeDocument/2006/relationships" xmlns:p="http://schemas.openxmlformats.org/presentationml/2006/main">
+  <p:cSld>
+    <p:spTree>
+      <p:nvGrpSpPr>
+        <p:cNvPr id="1" name=""/>
+        <p:cNvGrpSpPr/>
+        <p:nvPr/>
+      </p:nvGrpSpPr>
+      <p:grpSpPr>
+        <a:xfrm>
+          <a:off x="0" y="0"/>
+          <a:ext cx="0" cy="0"/>
+          <a:chOff x="0" y="0"/>
+          <a:chExt cx="0" cy="0"/>
+        </a:xfrm>
+      </p:grpSpPr>
+      <p:sp>
+        <p:nvSpPr>
+          <p:cNvPr id="4" name="TextBox 3">
+            <a:extLst>
+              <a:ext uri="{FF2B5EF4-FFF2-40B4-BE49-F238E27FC236}">
+                <a16:creationId xmlns:a16="http://schemas.microsoft.com/office/drawing/2014/main" id="{C1CFCE20-2144-4FB1-A812-78485C693F52}"/>
+              </a:ext>
+            </a:extLst>
+          </p:cNvPr>
+          <p:cNvSpPr txBox="1"/>
+          <p:nvPr/>
+        </p:nvSpPr>
+        <p:spPr>
+          <a:xfrm>
+            <a:off x="3611880" y="2895600"/>
+            <a:ext cx="4968240" cy="830997"/>
+          </a:xfrm>
+          <a:prstGeom prst="rect">
+            <a:avLst/>
+          </a:prstGeom>
+          <a:noFill/>
+        </p:spPr>
+        <p:txBody>
+          <a:bodyPr wrap="square" rtlCol="0">
+            <a:spAutoFit/>
+          </a:bodyPr>
+          <a:lstStyle/>
+          <a:p>
+            <a:pPr algn="ctr"/>
+            <a:r>
+              <a:rPr lang="en-US" altLang="ko-KR" sz="4800" dirty="0"/>
+              <a:t>Thank you!</a:t>
+            </a:r>
+            <a:endParaRPr lang="ko-KR" altLang="en-US" sz="4800" dirty="0"/>
+          </a:p>
+        </p:txBody>
+      </p:sp>
+    </p:spTree>
+    <p:extLst>
+      <p:ext uri="{BB962C8B-B14F-4D97-AF65-F5344CB8AC3E}">
+        <p14:creationId xmlns:p14="http://schemas.microsoft.com/office/powerpoint/2010/main" val="437520845"/>
+      </p:ext>
+    </p:extLst>
+  </p:cSld>
+  <p:clrMapOvr>
+    <a:masterClrMapping/>
+  </p:clrMapOvr>
+</p:sld>
+</file>
+
 <file path=ppt/slides/slide3.xml><?xml version="1.0" encoding="utf-8"?>
 <p:sld xmlns:a="http://schemas.openxmlformats.org/drawingml/2006/main" xmlns:r="http://schemas.openxmlformats.org/officeDocument/2006/relationships" xmlns:p="http://schemas.openxmlformats.org/presentationml/2006/main">
   <p:cSld>
@@ -14575,760 +14366,6 @@
     <p:extLst>
       <p:ext uri="{BB962C8B-B14F-4D97-AF65-F5344CB8AC3E}">
         <p14:creationId xmlns:p14="http://schemas.microsoft.com/office/powerpoint/2010/main" val="1059018137"/>
-      </p:ext>
-    </p:extLst>
-  </p:cSld>
-  <p:clrMapOvr>
-    <a:masterClrMapping/>
-  </p:clrMapOvr>
-</p:sld>
-</file>
-
-<file path=ppt/slides/slide30.xml><?xml version="1.0" encoding="utf-8"?>
-<p:sld xmlns:a="http://schemas.openxmlformats.org/drawingml/2006/main" xmlns:r="http://schemas.openxmlformats.org/officeDocument/2006/relationships" xmlns:p="http://schemas.openxmlformats.org/presentationml/2006/main">
-  <p:cSld>
-    <p:spTree>
-      <p:nvGrpSpPr>
-        <p:cNvPr id="1" name=""/>
-        <p:cNvGrpSpPr/>
-        <p:nvPr/>
-      </p:nvGrpSpPr>
-      <p:grpSpPr>
-        <a:xfrm>
-          <a:off x="0" y="0"/>
-          <a:ext cx="0" cy="0"/>
-          <a:chOff x="0" y="0"/>
-          <a:chExt cx="0" cy="0"/>
-        </a:xfrm>
-      </p:grpSpPr>
-      <p:sp>
-        <p:nvSpPr>
-          <p:cNvPr id="17" name="직사각형 16">
-            <a:extLst>
-              <a:ext uri="{FF2B5EF4-FFF2-40B4-BE49-F238E27FC236}">
-                <a16:creationId xmlns:a16="http://schemas.microsoft.com/office/drawing/2014/main" id="{B071631C-61C2-442F-AC0D-8D1DAC1153B8}"/>
-              </a:ext>
-            </a:extLst>
-          </p:cNvPr>
-          <p:cNvSpPr/>
-          <p:nvPr/>
-        </p:nvSpPr>
-        <p:spPr>
-          <a:xfrm>
-            <a:off x="3136216" y="6645715"/>
-            <a:ext cx="5919563" cy="45719"/>
-          </a:xfrm>
-          <a:prstGeom prst="rect">
-            <a:avLst/>
-          </a:prstGeom>
-          <a:solidFill>
-            <a:srgbClr val="4E5D70"/>
-          </a:solidFill>
-          <a:ln>
-            <a:noFill/>
-          </a:ln>
-        </p:spPr>
-        <p:style>
-          <a:lnRef idx="2">
-            <a:schemeClr val="accent1">
-              <a:shade val="50000"/>
-            </a:schemeClr>
-          </a:lnRef>
-          <a:fillRef idx="1">
-            <a:schemeClr val="accent1"/>
-          </a:fillRef>
-          <a:effectRef idx="0">
-            <a:schemeClr val="accent1"/>
-          </a:effectRef>
-          <a:fontRef idx="minor">
-            <a:schemeClr val="lt1"/>
-          </a:fontRef>
-        </p:style>
-        <p:txBody>
-          <a:bodyPr rtlCol="0" anchor="ctr"/>
-          <a:lstStyle/>
-          <a:p>
-            <a:pPr algn="ctr"/>
-            <a:endParaRPr lang="ko-KR" altLang="en-US">
-              <a:solidFill>
-                <a:prstClr val="white"/>
-              </a:solidFill>
-            </a:endParaRPr>
-          </a:p>
-        </p:txBody>
-      </p:sp>
-      <p:sp>
-        <p:nvSpPr>
-          <p:cNvPr id="6" name="직사각형 5">
-            <a:extLst>
-              <a:ext uri="{FF2B5EF4-FFF2-40B4-BE49-F238E27FC236}">
-                <a16:creationId xmlns:a16="http://schemas.microsoft.com/office/drawing/2014/main" id="{D56433FD-09E3-4E08-BFC0-E3CACB00E089}"/>
-              </a:ext>
-            </a:extLst>
-          </p:cNvPr>
-          <p:cNvSpPr/>
-          <p:nvPr/>
-        </p:nvSpPr>
-        <p:spPr>
-          <a:xfrm>
-            <a:off x="595038" y="591221"/>
-            <a:ext cx="10572072" cy="574966"/>
-          </a:xfrm>
-          <a:prstGeom prst="rect">
-            <a:avLst/>
-          </a:prstGeom>
-        </p:spPr>
-        <p:txBody>
-          <a:bodyPr wrap="square">
-            <a:spAutoFit/>
-          </a:bodyPr>
-          <a:lstStyle/>
-          <a:p>
-            <a:pPr latinLnBrk="0">
-              <a:lnSpc>
-                <a:spcPct val="150000"/>
-              </a:lnSpc>
-              <a:defRPr/>
-            </a:pPr>
-            <a:r>
-              <a:rPr lang="en-US" altLang="ko-KR" sz="2400" b="1" u="sng" kern="0" dirty="0">
-                <a:solidFill>
-                  <a:schemeClr val="accent1">
-                    <a:lumMod val="50000"/>
-                  </a:schemeClr>
-                </a:solidFill>
-              </a:rPr>
-              <a:t>A.4.1 </a:t>
-            </a:r>
-            <a:r>
-              <a:rPr lang="ko-KR" altLang="en-US" sz="2400" b="1" u="sng" kern="0" dirty="0" err="1">
-                <a:solidFill>
-                  <a:schemeClr val="accent1">
-                    <a:lumMod val="50000"/>
-                  </a:schemeClr>
-                </a:solidFill>
-              </a:rPr>
-              <a:t>브로드캐스팅을</a:t>
-            </a:r>
-            <a:r>
-              <a:rPr lang="ko-KR" altLang="en-US" sz="2400" b="1" u="sng" kern="0" dirty="0">
-                <a:solidFill>
-                  <a:schemeClr val="accent1">
-                    <a:lumMod val="50000"/>
-                  </a:schemeClr>
-                </a:solidFill>
-              </a:rPr>
-              <a:t> 이용해서 배열에 값 대입하기 </a:t>
-            </a:r>
-            <a:r>
-              <a:rPr lang="en-US" altLang="ko-KR" sz="2400" b="1" u="sng" kern="0" dirty="0" err="1">
-                <a:solidFill>
-                  <a:schemeClr val="accent1">
-                    <a:lumMod val="50000"/>
-                  </a:schemeClr>
-                </a:solidFill>
-              </a:rPr>
-              <a:t>ufunc</a:t>
-            </a:r>
-            <a:r>
-              <a:rPr lang="en-US" altLang="ko-KR" sz="2400" b="1" u="sng" kern="0" dirty="0">
-                <a:solidFill>
-                  <a:schemeClr val="accent1">
-                    <a:lumMod val="50000"/>
-                  </a:schemeClr>
-                </a:solidFill>
-              </a:rPr>
-              <a:t> </a:t>
-            </a:r>
-            <a:r>
-              <a:rPr lang="ko-KR" altLang="en-US" sz="2400" b="1" u="sng" kern="0" dirty="0">
-                <a:solidFill>
-                  <a:schemeClr val="accent1">
-                    <a:lumMod val="50000"/>
-                  </a:schemeClr>
-                </a:solidFill>
-              </a:rPr>
-              <a:t>인스턴스 메서드</a:t>
-            </a:r>
-            <a:endParaRPr lang="en-US" altLang="ko-KR" sz="2400" b="1" i="1" kern="0" dirty="0">
-              <a:solidFill>
-                <a:schemeClr val="accent1">
-                  <a:lumMod val="50000"/>
-                </a:schemeClr>
-              </a:solidFill>
-            </a:endParaRPr>
-          </a:p>
-        </p:txBody>
-      </p:sp>
-      <p:pic>
-        <p:nvPicPr>
-          <p:cNvPr id="4" name="그림 3">
-            <a:extLst>
-              <a:ext uri="{FF2B5EF4-FFF2-40B4-BE49-F238E27FC236}">
-                <a16:creationId xmlns:a16="http://schemas.microsoft.com/office/drawing/2014/main" id="{8906C437-F10C-4E8A-9BE1-A7926546BB2C}"/>
-              </a:ext>
-            </a:extLst>
-          </p:cNvPr>
-          <p:cNvPicPr>
-            <a:picLocks noChangeAspect="1"/>
-          </p:cNvPicPr>
-          <p:nvPr/>
-        </p:nvPicPr>
-        <p:blipFill>
-          <a:blip r:embed="rId3"/>
-          <a:stretch>
-            <a:fillRect/>
-          </a:stretch>
-        </p:blipFill>
-        <p:spPr>
-          <a:xfrm>
-            <a:off x="541477" y="1762125"/>
-            <a:ext cx="4857750" cy="3333750"/>
-          </a:xfrm>
-          <a:prstGeom prst="rect">
-            <a:avLst/>
-          </a:prstGeom>
-        </p:spPr>
-      </p:pic>
-      <p:pic>
-        <p:nvPicPr>
-          <p:cNvPr id="8" name="그림 7">
-            <a:extLst>
-              <a:ext uri="{FF2B5EF4-FFF2-40B4-BE49-F238E27FC236}">
-                <a16:creationId xmlns:a16="http://schemas.microsoft.com/office/drawing/2014/main" id="{9E210A4A-7D8B-426D-8335-603B54A35C20}"/>
-              </a:ext>
-            </a:extLst>
-          </p:cNvPr>
-          <p:cNvPicPr>
-            <a:picLocks noChangeAspect="1"/>
-          </p:cNvPicPr>
-          <p:nvPr/>
-        </p:nvPicPr>
-        <p:blipFill>
-          <a:blip r:embed="rId4"/>
-          <a:stretch>
-            <a:fillRect/>
-          </a:stretch>
-        </p:blipFill>
-        <p:spPr>
-          <a:xfrm>
-            <a:off x="5890260" y="2141758"/>
-            <a:ext cx="5276850" cy="2486025"/>
-          </a:xfrm>
-          <a:prstGeom prst="rect">
-            <a:avLst/>
-          </a:prstGeom>
-        </p:spPr>
-      </p:pic>
-    </p:spTree>
-    <p:extLst>
-      <p:ext uri="{BB962C8B-B14F-4D97-AF65-F5344CB8AC3E}">
-        <p14:creationId xmlns:p14="http://schemas.microsoft.com/office/powerpoint/2010/main" val="1775117863"/>
-      </p:ext>
-    </p:extLst>
-  </p:cSld>
-  <p:clrMapOvr>
-    <a:masterClrMapping/>
-  </p:clrMapOvr>
-</p:sld>
-</file>
-
-<file path=ppt/slides/slide31.xml><?xml version="1.0" encoding="utf-8"?>
-<p:sld xmlns:a="http://schemas.openxmlformats.org/drawingml/2006/main" xmlns:r="http://schemas.openxmlformats.org/officeDocument/2006/relationships" xmlns:p="http://schemas.openxmlformats.org/presentationml/2006/main">
-  <p:cSld>
-    <p:spTree>
-      <p:nvGrpSpPr>
-        <p:cNvPr id="1" name=""/>
-        <p:cNvGrpSpPr/>
-        <p:nvPr/>
-      </p:nvGrpSpPr>
-      <p:grpSpPr>
-        <a:xfrm>
-          <a:off x="0" y="0"/>
-          <a:ext cx="0" cy="0"/>
-          <a:chOff x="0" y="0"/>
-          <a:chExt cx="0" cy="0"/>
-        </a:xfrm>
-      </p:grpSpPr>
-      <p:sp>
-        <p:nvSpPr>
-          <p:cNvPr id="17" name="직사각형 16">
-            <a:extLst>
-              <a:ext uri="{FF2B5EF4-FFF2-40B4-BE49-F238E27FC236}">
-                <a16:creationId xmlns:a16="http://schemas.microsoft.com/office/drawing/2014/main" id="{B071631C-61C2-442F-AC0D-8D1DAC1153B8}"/>
-              </a:ext>
-            </a:extLst>
-          </p:cNvPr>
-          <p:cNvSpPr/>
-          <p:nvPr/>
-        </p:nvSpPr>
-        <p:spPr>
-          <a:xfrm>
-            <a:off x="3136216" y="6645715"/>
-            <a:ext cx="5919563" cy="45719"/>
-          </a:xfrm>
-          <a:prstGeom prst="rect">
-            <a:avLst/>
-          </a:prstGeom>
-          <a:solidFill>
-            <a:srgbClr val="4E5D70"/>
-          </a:solidFill>
-          <a:ln>
-            <a:noFill/>
-          </a:ln>
-        </p:spPr>
-        <p:style>
-          <a:lnRef idx="2">
-            <a:schemeClr val="accent1">
-              <a:shade val="50000"/>
-            </a:schemeClr>
-          </a:lnRef>
-          <a:fillRef idx="1">
-            <a:schemeClr val="accent1"/>
-          </a:fillRef>
-          <a:effectRef idx="0">
-            <a:schemeClr val="accent1"/>
-          </a:effectRef>
-          <a:fontRef idx="minor">
-            <a:schemeClr val="lt1"/>
-          </a:fontRef>
-        </p:style>
-        <p:txBody>
-          <a:bodyPr rtlCol="0" anchor="ctr"/>
-          <a:lstStyle/>
-          <a:p>
-            <a:pPr algn="ctr"/>
-            <a:endParaRPr lang="ko-KR" altLang="en-US">
-              <a:solidFill>
-                <a:prstClr val="white"/>
-              </a:solidFill>
-            </a:endParaRPr>
-          </a:p>
-        </p:txBody>
-      </p:sp>
-      <p:sp>
-        <p:nvSpPr>
-          <p:cNvPr id="6" name="직사각형 5">
-            <a:extLst>
-              <a:ext uri="{FF2B5EF4-FFF2-40B4-BE49-F238E27FC236}">
-                <a16:creationId xmlns:a16="http://schemas.microsoft.com/office/drawing/2014/main" id="{D56433FD-09E3-4E08-BFC0-E3CACB00E089}"/>
-              </a:ext>
-            </a:extLst>
-          </p:cNvPr>
-          <p:cNvSpPr/>
-          <p:nvPr/>
-        </p:nvSpPr>
-        <p:spPr>
-          <a:xfrm>
-            <a:off x="595038" y="591221"/>
-            <a:ext cx="10572072" cy="574966"/>
-          </a:xfrm>
-          <a:prstGeom prst="rect">
-            <a:avLst/>
-          </a:prstGeom>
-        </p:spPr>
-        <p:txBody>
-          <a:bodyPr wrap="square">
-            <a:spAutoFit/>
-          </a:bodyPr>
-          <a:lstStyle/>
-          <a:p>
-            <a:pPr latinLnBrk="0">
-              <a:lnSpc>
-                <a:spcPct val="150000"/>
-              </a:lnSpc>
-              <a:defRPr/>
-            </a:pPr>
-            <a:r>
-              <a:rPr lang="en-US" altLang="ko-KR" sz="2400" b="1" u="sng" kern="0" dirty="0">
-                <a:solidFill>
-                  <a:schemeClr val="accent1">
-                    <a:lumMod val="50000"/>
-                  </a:schemeClr>
-                </a:solidFill>
-              </a:rPr>
-              <a:t>A.4.1 </a:t>
-            </a:r>
-            <a:r>
-              <a:rPr lang="ko-KR" altLang="en-US" sz="2400" b="1" u="sng" kern="0" dirty="0" err="1">
-                <a:solidFill>
-                  <a:schemeClr val="accent1">
-                    <a:lumMod val="50000"/>
-                  </a:schemeClr>
-                </a:solidFill>
-              </a:rPr>
-              <a:t>브로드캐스팅을</a:t>
-            </a:r>
-            <a:r>
-              <a:rPr lang="ko-KR" altLang="en-US" sz="2400" b="1" u="sng" kern="0" dirty="0">
-                <a:solidFill>
-                  <a:schemeClr val="accent1">
-                    <a:lumMod val="50000"/>
-                  </a:schemeClr>
-                </a:solidFill>
-              </a:rPr>
-              <a:t> 이용해서 배열에 값 대입하기 </a:t>
-            </a:r>
-            <a:r>
-              <a:rPr lang="en-US" altLang="ko-KR" sz="2400" b="1" u="sng" kern="0" dirty="0" err="1">
-                <a:solidFill>
-                  <a:schemeClr val="accent1">
-                    <a:lumMod val="50000"/>
-                  </a:schemeClr>
-                </a:solidFill>
-              </a:rPr>
-              <a:t>ufunc</a:t>
-            </a:r>
-            <a:r>
-              <a:rPr lang="en-US" altLang="ko-KR" sz="2400" b="1" u="sng" kern="0" dirty="0">
-                <a:solidFill>
-                  <a:schemeClr val="accent1">
-                    <a:lumMod val="50000"/>
-                  </a:schemeClr>
-                </a:solidFill>
-              </a:rPr>
-              <a:t> </a:t>
-            </a:r>
-            <a:r>
-              <a:rPr lang="ko-KR" altLang="en-US" sz="2400" b="1" u="sng" kern="0" dirty="0">
-                <a:solidFill>
-                  <a:schemeClr val="accent1">
-                    <a:lumMod val="50000"/>
-                  </a:schemeClr>
-                </a:solidFill>
-              </a:rPr>
-              <a:t>인스턴스 메서드</a:t>
-            </a:r>
-            <a:endParaRPr lang="en-US" altLang="ko-KR" sz="2400" b="1" i="1" kern="0" dirty="0">
-              <a:solidFill>
-                <a:schemeClr val="accent1">
-                  <a:lumMod val="50000"/>
-                </a:schemeClr>
-              </a:solidFill>
-            </a:endParaRPr>
-          </a:p>
-        </p:txBody>
-      </p:sp>
-      <p:pic>
-        <p:nvPicPr>
-          <p:cNvPr id="3" name="그림 2">
-            <a:extLst>
-              <a:ext uri="{FF2B5EF4-FFF2-40B4-BE49-F238E27FC236}">
-                <a16:creationId xmlns:a16="http://schemas.microsoft.com/office/drawing/2014/main" id="{47C4F4E3-42DD-4074-920B-7F30980F695D}"/>
-              </a:ext>
-            </a:extLst>
-          </p:cNvPr>
-          <p:cNvPicPr>
-            <a:picLocks noChangeAspect="1"/>
-          </p:cNvPicPr>
-          <p:nvPr/>
-        </p:nvPicPr>
-        <p:blipFill>
-          <a:blip r:embed="rId3"/>
-          <a:stretch>
-            <a:fillRect/>
-          </a:stretch>
-        </p:blipFill>
-        <p:spPr>
-          <a:xfrm>
-            <a:off x="1649225" y="1562380"/>
-            <a:ext cx="5802183" cy="3547502"/>
-          </a:xfrm>
-          <a:prstGeom prst="rect">
-            <a:avLst/>
-          </a:prstGeom>
-        </p:spPr>
-      </p:pic>
-    </p:spTree>
-    <p:extLst>
-      <p:ext uri="{BB962C8B-B14F-4D97-AF65-F5344CB8AC3E}">
-        <p14:creationId xmlns:p14="http://schemas.microsoft.com/office/powerpoint/2010/main" val="2293268360"/>
-      </p:ext>
-    </p:extLst>
-  </p:cSld>
-  <p:clrMapOvr>
-    <a:masterClrMapping/>
-  </p:clrMapOvr>
-</p:sld>
-</file>
-
-<file path=ppt/slides/slide32.xml><?xml version="1.0" encoding="utf-8"?>
-<p:sld xmlns:a="http://schemas.openxmlformats.org/drawingml/2006/main" xmlns:r="http://schemas.openxmlformats.org/officeDocument/2006/relationships" xmlns:p="http://schemas.openxmlformats.org/presentationml/2006/main">
-  <p:cSld>
-    <p:spTree>
-      <p:nvGrpSpPr>
-        <p:cNvPr id="1" name=""/>
-        <p:cNvGrpSpPr/>
-        <p:nvPr/>
-      </p:nvGrpSpPr>
-      <p:grpSpPr>
-        <a:xfrm>
-          <a:off x="0" y="0"/>
-          <a:ext cx="0" cy="0"/>
-          <a:chOff x="0" y="0"/>
-          <a:chExt cx="0" cy="0"/>
-        </a:xfrm>
-      </p:grpSpPr>
-      <p:sp>
-        <p:nvSpPr>
-          <p:cNvPr id="17" name="직사각형 16">
-            <a:extLst>
-              <a:ext uri="{FF2B5EF4-FFF2-40B4-BE49-F238E27FC236}">
-                <a16:creationId xmlns:a16="http://schemas.microsoft.com/office/drawing/2014/main" id="{B071631C-61C2-442F-AC0D-8D1DAC1153B8}"/>
-              </a:ext>
-            </a:extLst>
-          </p:cNvPr>
-          <p:cNvSpPr/>
-          <p:nvPr/>
-        </p:nvSpPr>
-        <p:spPr>
-          <a:xfrm>
-            <a:off x="3136216" y="6645715"/>
-            <a:ext cx="5919563" cy="45719"/>
-          </a:xfrm>
-          <a:prstGeom prst="rect">
-            <a:avLst/>
-          </a:prstGeom>
-          <a:solidFill>
-            <a:srgbClr val="4E5D70"/>
-          </a:solidFill>
-          <a:ln>
-            <a:noFill/>
-          </a:ln>
-        </p:spPr>
-        <p:style>
-          <a:lnRef idx="2">
-            <a:schemeClr val="accent1">
-              <a:shade val="50000"/>
-            </a:schemeClr>
-          </a:lnRef>
-          <a:fillRef idx="1">
-            <a:schemeClr val="accent1"/>
-          </a:fillRef>
-          <a:effectRef idx="0">
-            <a:schemeClr val="accent1"/>
-          </a:effectRef>
-          <a:fontRef idx="minor">
-            <a:schemeClr val="lt1"/>
-          </a:fontRef>
-        </p:style>
-        <p:txBody>
-          <a:bodyPr rtlCol="0" anchor="ctr"/>
-          <a:lstStyle/>
-          <a:p>
-            <a:pPr algn="ctr"/>
-            <a:endParaRPr lang="ko-KR" altLang="en-US">
-              <a:solidFill>
-                <a:prstClr val="white"/>
-              </a:solidFill>
-            </a:endParaRPr>
-          </a:p>
-        </p:txBody>
-      </p:sp>
-      <p:sp>
-        <p:nvSpPr>
-          <p:cNvPr id="6" name="직사각형 5">
-            <a:extLst>
-              <a:ext uri="{FF2B5EF4-FFF2-40B4-BE49-F238E27FC236}">
-                <a16:creationId xmlns:a16="http://schemas.microsoft.com/office/drawing/2014/main" id="{D56433FD-09E3-4E08-BFC0-E3CACB00E089}"/>
-              </a:ext>
-            </a:extLst>
-          </p:cNvPr>
-          <p:cNvSpPr/>
-          <p:nvPr/>
-        </p:nvSpPr>
-        <p:spPr>
-          <a:xfrm>
-            <a:off x="595038" y="591221"/>
-            <a:ext cx="10572072" cy="574966"/>
-          </a:xfrm>
-          <a:prstGeom prst="rect">
-            <a:avLst/>
-          </a:prstGeom>
-        </p:spPr>
-        <p:txBody>
-          <a:bodyPr wrap="square">
-            <a:spAutoFit/>
-          </a:bodyPr>
-          <a:lstStyle/>
-          <a:p>
-            <a:pPr latinLnBrk="0">
-              <a:lnSpc>
-                <a:spcPct val="150000"/>
-              </a:lnSpc>
-              <a:defRPr/>
-            </a:pPr>
-            <a:r>
-              <a:rPr lang="en-US" altLang="ko-KR" sz="2400" b="1" u="sng" kern="0" dirty="0">
-                <a:solidFill>
-                  <a:schemeClr val="accent1">
-                    <a:lumMod val="50000"/>
-                  </a:schemeClr>
-                </a:solidFill>
-              </a:rPr>
-              <a:t>A.4.2 </a:t>
-            </a:r>
-            <a:r>
-              <a:rPr lang="ko-KR" altLang="en-US" sz="2400" b="1" u="sng" kern="0" dirty="0" err="1">
-                <a:solidFill>
-                  <a:schemeClr val="accent1">
-                    <a:lumMod val="50000"/>
-                  </a:schemeClr>
-                </a:solidFill>
-              </a:rPr>
-              <a:t>파이썬으로</a:t>
-            </a:r>
-            <a:r>
-              <a:rPr lang="ko-KR" altLang="en-US" sz="2400" b="1" u="sng" kern="0" dirty="0">
-                <a:solidFill>
-                  <a:schemeClr val="accent1">
-                    <a:lumMod val="50000"/>
-                  </a:schemeClr>
-                </a:solidFill>
-              </a:rPr>
-              <a:t> 사용자 정의 </a:t>
-            </a:r>
-            <a:r>
-              <a:rPr lang="en-US" altLang="ko-KR" sz="2400" b="1" u="sng" kern="0" dirty="0" err="1">
-                <a:solidFill>
-                  <a:schemeClr val="accent1">
-                    <a:lumMod val="50000"/>
-                  </a:schemeClr>
-                </a:solidFill>
-              </a:rPr>
-              <a:t>ufunc</a:t>
-            </a:r>
-            <a:r>
-              <a:rPr lang="en-US" altLang="ko-KR" sz="2400" b="1" u="sng" kern="0" dirty="0">
-                <a:solidFill>
-                  <a:schemeClr val="accent1">
-                    <a:lumMod val="50000"/>
-                  </a:schemeClr>
-                </a:solidFill>
-              </a:rPr>
-              <a:t> </a:t>
-            </a:r>
-            <a:r>
-              <a:rPr lang="ko-KR" altLang="en-US" sz="2400" b="1" u="sng" kern="0" dirty="0">
-                <a:solidFill>
-                  <a:schemeClr val="accent1">
-                    <a:lumMod val="50000"/>
-                  </a:schemeClr>
-                </a:solidFill>
-              </a:rPr>
-              <a:t>정의 하기</a:t>
-            </a:r>
-            <a:endParaRPr lang="en-US" altLang="ko-KR" sz="2400" b="1" i="1" kern="0" dirty="0">
-              <a:solidFill>
-                <a:schemeClr val="accent1">
-                  <a:lumMod val="50000"/>
-                </a:schemeClr>
-              </a:solidFill>
-            </a:endParaRPr>
-          </a:p>
-        </p:txBody>
-      </p:sp>
-      <p:pic>
-        <p:nvPicPr>
-          <p:cNvPr id="4" name="그림 3">
-            <a:extLst>
-              <a:ext uri="{FF2B5EF4-FFF2-40B4-BE49-F238E27FC236}">
-                <a16:creationId xmlns:a16="http://schemas.microsoft.com/office/drawing/2014/main" id="{FAC10743-B248-4771-BF7F-89504A535E31}"/>
-              </a:ext>
-            </a:extLst>
-          </p:cNvPr>
-          <p:cNvPicPr>
-            <a:picLocks noChangeAspect="1"/>
-          </p:cNvPicPr>
-          <p:nvPr/>
-        </p:nvPicPr>
-        <p:blipFill>
-          <a:blip r:embed="rId3"/>
-          <a:stretch>
-            <a:fillRect/>
-          </a:stretch>
-        </p:blipFill>
-        <p:spPr>
-          <a:xfrm>
-            <a:off x="1491503" y="1532404"/>
-            <a:ext cx="5981700" cy="4438650"/>
-          </a:xfrm>
-          <a:prstGeom prst="rect">
-            <a:avLst/>
-          </a:prstGeom>
-        </p:spPr>
-      </p:pic>
-    </p:spTree>
-    <p:extLst>
-      <p:ext uri="{BB962C8B-B14F-4D97-AF65-F5344CB8AC3E}">
-        <p14:creationId xmlns:p14="http://schemas.microsoft.com/office/powerpoint/2010/main" val="849214696"/>
-      </p:ext>
-    </p:extLst>
-  </p:cSld>
-  <p:clrMapOvr>
-    <a:masterClrMapping/>
-  </p:clrMapOvr>
-</p:sld>
-</file>
-
-<file path=ppt/slides/slide33.xml><?xml version="1.0" encoding="utf-8"?>
-<p:sld xmlns:a="http://schemas.openxmlformats.org/drawingml/2006/main" xmlns:r="http://schemas.openxmlformats.org/officeDocument/2006/relationships" xmlns:p="http://schemas.openxmlformats.org/presentationml/2006/main">
-  <p:cSld>
-    <p:spTree>
-      <p:nvGrpSpPr>
-        <p:cNvPr id="1" name=""/>
-        <p:cNvGrpSpPr/>
-        <p:nvPr/>
-      </p:nvGrpSpPr>
-      <p:grpSpPr>
-        <a:xfrm>
-          <a:off x="0" y="0"/>
-          <a:ext cx="0" cy="0"/>
-          <a:chOff x="0" y="0"/>
-          <a:chExt cx="0" cy="0"/>
-        </a:xfrm>
-      </p:grpSpPr>
-      <p:sp>
-        <p:nvSpPr>
-          <p:cNvPr id="4" name="TextBox 3">
-            <a:extLst>
-              <a:ext uri="{FF2B5EF4-FFF2-40B4-BE49-F238E27FC236}">
-                <a16:creationId xmlns:a16="http://schemas.microsoft.com/office/drawing/2014/main" id="{C1CFCE20-2144-4FB1-A812-78485C693F52}"/>
-              </a:ext>
-            </a:extLst>
-          </p:cNvPr>
-          <p:cNvSpPr txBox="1"/>
-          <p:nvPr/>
-        </p:nvSpPr>
-        <p:spPr>
-          <a:xfrm>
-            <a:off x="3611880" y="2895600"/>
-            <a:ext cx="4968240" cy="830997"/>
-          </a:xfrm>
-          <a:prstGeom prst="rect">
-            <a:avLst/>
-          </a:prstGeom>
-          <a:noFill/>
-        </p:spPr>
-        <p:txBody>
-          <a:bodyPr wrap="square" rtlCol="0">
-            <a:spAutoFit/>
-          </a:bodyPr>
-          <a:lstStyle/>
-          <a:p>
-            <a:pPr algn="ctr"/>
-            <a:r>
-              <a:rPr lang="en-US" altLang="ko-KR" sz="4800" dirty="0"/>
-              <a:t>Thank you!</a:t>
-            </a:r>
-            <a:endParaRPr lang="ko-KR" altLang="en-US" sz="4800" dirty="0"/>
-          </a:p>
-        </p:txBody>
-      </p:sp>
-    </p:spTree>
-    <p:extLst>
-      <p:ext uri="{BB962C8B-B14F-4D97-AF65-F5344CB8AC3E}">
-        <p14:creationId xmlns:p14="http://schemas.microsoft.com/office/powerpoint/2010/main" val="437520845"/>
       </p:ext>
     </p:extLst>
   </p:cSld>
@@ -16547,7 +15584,7 @@
                 <a:avLst/>
               </a:prstGeom>
               <a:blipFill>
-                <a:blip r:embed="rId2"/>
+                <a:blip r:embed="rId3"/>
                 <a:stretch>
                   <a:fillRect l="-1778" t="-10000" b="-26667"/>
                 </a:stretch>
@@ -16841,7 +15878,7 @@
                 <a:avLst/>
               </a:prstGeom>
               <a:blipFill>
-                <a:blip r:embed="rId3"/>
+                <a:blip r:embed="rId4"/>
                 <a:stretch>
                   <a:fillRect b="-16667"/>
                 </a:stretch>
@@ -17177,7 +16214,7 @@
                 <a:avLst/>
               </a:prstGeom>
               <a:blipFill>
-                <a:blip r:embed="rId4"/>
+                <a:blip r:embed="rId5"/>
                 <a:stretch>
                   <a:fillRect b="-16667"/>
                 </a:stretch>
